--- a/gg.pptx
+++ b/gg.pptx
@@ -10,7 +10,9 @@
     <p:sldId id="258" r:id="rId4"/>
     <p:sldId id="260" r:id="rId5"/>
     <p:sldId id="261" r:id="rId6"/>
-    <p:sldId id="259" r:id="rId7"/>
+    <p:sldId id="262" r:id="rId7"/>
+    <p:sldId id="263" r:id="rId8"/>
+    <p:sldId id="259" r:id="rId9"/>
   </p:sldIdLst>
   <p:sldSz cx="12192000" cy="6858000"/>
   <p:notesSz cx="6858000" cy="9144000"/>
@@ -120,8 +122,7 @@
 <file path=ppt/revisionInfo.xml><?xml version="1.0" encoding="utf-8"?>
 <p1510:revInfo xmlns:a="http://schemas.openxmlformats.org/drawingml/2006/main" xmlns:r="http://schemas.openxmlformats.org/officeDocument/2006/relationships" xmlns:p1510="http://schemas.microsoft.com/office/powerpoint/2015/10/main">
   <p1510:revLst>
-    <p1510:client id="{12B0C8D2-E294-4BDB-8A6D-13C0B50D1C35}" v="741" dt="2024-03-02T20:59:03.145"/>
-    <p1510:client id="{3F2379B4-C70C-451C-A5C9-CC1D09AF7744}" v="2399" dt="2024-03-03T19:39:14.715"/>
+    <p1510:client id="{C1D02F1F-5398-4CB6-A52A-C070A35C76D4}" v="595" dt="2024-03-05T21:26:23.720"/>
   </p1510:revLst>
 </p1510:revInfo>
 </file>
@@ -155,6 +156,38 @@
     </inkml:brush>
   </inkml:definitions>
   <inkml:trace contextRef="#ctx0" brushRef="#br0">10664 4207 16383 0 0,'0'5'0'0'0,"0"16"0"0"0,0 30 0 0 0,0 20 0 0 0,0 18 0 0 0,0 9 0 0 0,0-7 0 0 0,0-10 0 0 0,0-13 0 0 0,0-14 0 0 0,0-10 0 0 0,0-4 0 0 0,0-3 0 0 0,0-3 0 0 0,0-2 0 0 0,0-3 0 0 0,0 0 0 0 0,0 5 0 0 0,0 11 0 0 0,0 12 0 0 0,0 17 0 0 0,0 20 0 0 0,0 14 0 0 0,0 4 0 0 0,0 1 0 0 0,0-7 0 0 0,0-8 0 0 0,0-10 0 0 0,0-6 0 0 0,0-1 0 0 0,0 4 0 0 0,0 4 0 0 0,0 5 0 0 0,0 12 0 0 0,0 8 0 0 0,0-1 0 0 0,0-5 0 0 0,0-11 0 0 0,0-7 0 0 0,0 6 0 0 0,0 6 0 0 0,0 10 0 0 0,0 11 0 0 0,0 0 0 0 0,0-7 0 0 0,0-8 0 0 0,0-13 0 0 0,0-12 0 0 0,0 28 0 0 0,0 2 0 0 0,0 4 0 0 0,0 28 0 0 0,0 54 0 0 0,0 80 0 0 0,0 38 0 0 0,0 5 0 0 0,0 11 0 0 0,0 4 0 0 0,0-22 0 0 0,0-29 0 0 0,0-4 0 0 0,0-41 0 0 0,0-51 0 0 0,0-43 0 0 0,0-2 0 0 0,0 14 0 0 0,0 18 0 0 0,0 5 0 0 0,0-9 0 0 0,0 0 0 0 0,0 1 0 0 0,0-5 0 0 0,0-1 0 0 0,0-10 0 0 0,0-22 0 0 0,0-24 0 0 0,0-16 0 0 0,0-5 0 0 0,0-13 0 0 0,0-10 0 0 0,0-7 0 0 0,0-3 0 0 0,0 8 0 0 0,0 7 0 0 0,0 6 0 0 0,0 10 0 0 0,0 4 0 0 0,0-4 0 0 0,0-7 0 0 0,0-8 0 0 0,0-6 0 0 0,0-5 0 0 0,0 6 0 0 0,0 7 0 0 0,0 10 0 0 0,0 4 0 0 0,0 3 0 0 0,0 0 0 0 0,0-1 0 0 0,0-2 0 0 0,0-5 0 0 0,0-9 0 0 0,0-6 0 0 0,0-11 0 0 0,0-5 0 0 0,0-7 0 0 0,0-6 0 0 0,0-6 0 0 0,0-3 0 0 0,0-3 0 0 0,0-1 0 0 0,0 0 0 0 0,0 4 0 0 0,0 12 0 0 0,0 14 0 0 0,0 6 0 0 0,0 2 0 0 0,0-4 0 0 0,0-9 0 0 0,0-8 0 0 0,0-7 0 0 0,0-5 0 0 0,0-8 0 0 0</inkml:trace>
+</inkml:ink>
+</file>
+
+<file path=ppt/ink/ink10.xml><?xml version="1.0" encoding="utf-8"?>
+<inkml:ink xmlns:inkml="http://www.w3.org/2003/InkML">
+  <inkml:definitions>
+    <inkml:context xml:id="ctx0">
+      <inkml:inkSource xml:id="inkSrc0">
+        <inkml:traceFormat>
+          <inkml:channel name="X" type="integer" min="-2.14748E9" max="2.14748E9" units="cm"/>
+          <inkml:channel name="Y" type="integer" min="-2.14748E9" max="2.14748E9" units="cm"/>
+          <inkml:channel name="F" type="integer" max="32767" units="dev"/>
+          <inkml:channel name="OA" type="integer" max="360" units="deg"/>
+          <inkml:channel name="OE" type="integer" max="90" units="deg"/>
+        </inkml:traceFormat>
+        <inkml:channelProperties>
+          <inkml:channelProperty channel="X" name="resolution" value="1000" units="1/cm"/>
+          <inkml:channelProperty channel="Y" name="resolution" value="1000" units="1/cm"/>
+          <inkml:channelProperty channel="F" name="resolution" value="0" units="1/dev"/>
+          <inkml:channelProperty channel="OA" name="resolution" value="1000" units="1/deg"/>
+          <inkml:channelProperty channel="OE" name="resolution" value="1000" units="1/deg"/>
+        </inkml:channelProperties>
+      </inkml:inkSource>
+      <inkml:timestamp xml:id="ts0" timeString="2024-03-05T21:26:57.235"/>
+    </inkml:context>
+    <inkml:brush xml:id="br0">
+      <inkml:brushProperty name="width" value="0.1" units="cm"/>
+      <inkml:brushProperty name="height" value="0.1" units="cm"/>
+      <inkml:brushProperty name="color" value="#FFFFFF"/>
+    </inkml:brush>
+  </inkml:definitions>
+  <inkml:trace contextRef="#ctx0" brushRef="#br0">5768 17273 16383 0 0,'5'0'0'0'0,"16"0"0"0"0,30 0 0 0 0,35 0 0 0 0,38 0 0 0 0,27 0 0 0 0,18 0 0 0 0,4 0 0 0 0,-2 0 0 0 0,-15 0 0 0 0,-25 0 0 0 0,-25 0 0 0 0,-20 0 0 0 0,-20 0 0 0 0,-16 0 0 0 0,37 0 0 0 0,88 0 0 0 0,94 0 0 0 0,83 0 0 0 0,53 0 0 0 0,69 0 0 0 0,-10 0 0 0 0,-55 0 0 0 0,-83 0 0 0 0,-86 0 0 0 0,0 0 0 0 0,82 0 0 0 0,144 0 0 0 0,156 0 0 0 0,114 0 0 0 0,185 0 0 0 0,28 0 0 0 0,-92 0 0 0 0,-153 0 0 0 0,-171 0 0 0 0,-34 0 0 0 0,22 0 0 0 0,233 0 0 0 0,102 0 0 0 0,-21 0 0 0 0,-113 0 0 0 0,-150 0 0 0 0,-142 0 0 0 0,-90 0 0 0 0,-24 0 0 0 0,8 0 0 0 0,38 0 0 0 0,31 0 0 0 0,3 0 0 0 0,-12 0 0 0 0,-36 0 0 0 0,-48 0 0 0 0,-25 0 0 0 0,-1 0 0 0 0,116 0 0 0 0,60 0 0 0 0,9 0 0 0 0,-35 0 0 0 0,-55 0 0 0 0,-75 0 0 0 0,-78 0 0 0 0,-71 0 0 0 0,-55 0 0 0 0,-33 0 0 0 0,-11 0 0 0 0,21 0 0 0 0,14 0 0 0 0,2 0 0 0 0,3 0 0 0 0,-8 0 0 0 0,-14 0 0 0 0,-11 0 0 0 0,-11 0 0 0 0,-7 0 0 0 0,-5 0 0 0 0,-2 0 0 0 0,3 0 0 0 0,12 0 0 0 0,9 0 0 0 0,9 0 0 0 0,5 0 0 0 0,6 0 0 0 0,0 0 0 0 0,-2 0 0 0 0,-8 0 0 0 0,-9 0 0 0 0,-10 0 0 0 0,-6 0 0 0 0,-5 0 0 0 0,-3 0 0 0 0,-1 0 0 0 0,-1 0 0 0 0,5 0 0 0 0,2 0 0 0 0,0 0 0 0 0,5 0 0 0 0,9 0 0 0 0,22 0 0 0 0,9 0 0 0 0,1 0 0 0 0,-9 0 0 0 0,-6 0 0 0 0,-4 0 0 0 0,-8 0 0 0 0,-8 0 0 0 0,-6 0 0 0 0,-1 0 0 0 0,-1 0 0 0 0,-2 0 0 0 0,-2 0 0 0 0,-2 0 0 0 0,-2 0 0 0 0,1 0 0 0 0,-2 0 0 0 0,-4 0 0 0 0,3 0 0 0 0,7 0 0 0 0,12 0 0 0 0,9 0 0 0 0,9 0 0 0 0,4 0 0 0 0,5 0 0 0 0,0 0 0 0 0,-2 0 0 0 0,-9 0 0 0 0,-10 0 0 0 0,-8 0 0 0 0,-8 0 0 0 0,-4 0 0 0 0,-3 0 0 0 0,-2 0 0 0 0,1 0 0 0 0,-1 0 0 0 0,0 0 0 0 0,1 0 0 0 0,1 0 0 0 0,-6 0 0 0 0</inkml:trace>
 </inkml:ink>
 </file>
 
@@ -570,7 +603,7 @@
           <a:p>
             <a:fld id="{1C8322F6-1C60-46CF-968C-BC20E470F443}" type="datetimeFigureOut">
               <a:rPr lang="en-US" smtClean="0"/>
-              <a:t>3/3/2024</a:t>
+              <a:t>3/5/2024</a:t>
             </a:fld>
             <a:endParaRPr lang="en-US"/>
           </a:p>
@@ -908,7 +941,7 @@
           <a:p>
             <a:fld id="{1C8322F6-1C60-46CF-968C-BC20E470F443}" type="datetimeFigureOut">
               <a:rPr lang="en-US" smtClean="0"/>
-              <a:t>3/3/2024</a:t>
+              <a:t>3/5/2024</a:t>
             </a:fld>
             <a:endParaRPr lang="en-US"/>
           </a:p>
@@ -1165,7 +1198,7 @@
           <a:p>
             <a:fld id="{1C8322F6-1C60-46CF-968C-BC20E470F443}" type="datetimeFigureOut">
               <a:rPr lang="en-US" smtClean="0"/>
-              <a:t>3/3/2024</a:t>
+              <a:t>3/5/2024</a:t>
             </a:fld>
             <a:endParaRPr lang="en-US"/>
           </a:p>
@@ -1503,7 +1536,7 @@
           <a:p>
             <a:fld id="{1C8322F6-1C60-46CF-968C-BC20E470F443}" type="datetimeFigureOut">
               <a:rPr lang="en-US" smtClean="0"/>
-              <a:t>3/3/2024</a:t>
+              <a:t>3/5/2024</a:t>
             </a:fld>
             <a:endParaRPr lang="en-US"/>
           </a:p>
@@ -1788,7 +1821,7 @@
           <a:p>
             <a:fld id="{1C8322F6-1C60-46CF-968C-BC20E470F443}" type="datetimeFigureOut">
               <a:rPr lang="en-US" smtClean="0"/>
-              <a:t>3/3/2024</a:t>
+              <a:t>3/5/2024</a:t>
             </a:fld>
             <a:endParaRPr lang="en-US"/>
           </a:p>
@@ -2194,7 +2227,7 @@
           <a:p>
             <a:fld id="{1C8322F6-1C60-46CF-968C-BC20E470F443}" type="datetimeFigureOut">
               <a:rPr lang="en-US" smtClean="0"/>
-              <a:t>3/3/2024</a:t>
+              <a:t>3/5/2024</a:t>
             </a:fld>
             <a:endParaRPr lang="en-US"/>
           </a:p>
@@ -2659,7 +2692,7 @@
           <a:p>
             <a:fld id="{1C8322F6-1C60-46CF-968C-BC20E470F443}" type="datetimeFigureOut">
               <a:rPr lang="en-US" smtClean="0"/>
-              <a:t>3/3/2024</a:t>
+              <a:t>3/5/2024</a:t>
             </a:fld>
             <a:endParaRPr lang="en-US"/>
           </a:p>
@@ -2896,7 +2929,7 @@
           <a:p>
             <a:fld id="{1C8322F6-1C60-46CF-968C-BC20E470F443}" type="datetimeFigureOut">
               <a:rPr lang="en-US" smtClean="0"/>
-              <a:t>3/3/2024</a:t>
+              <a:t>3/5/2024</a:t>
             </a:fld>
             <a:endParaRPr lang="en-US"/>
           </a:p>
@@ -3099,7 +3132,7 @@
           <a:p>
             <a:fld id="{1C8322F6-1C60-46CF-968C-BC20E470F443}" type="datetimeFigureOut">
               <a:rPr lang="en-US" smtClean="0"/>
-              <a:t>3/3/2024</a:t>
+              <a:t>3/5/2024</a:t>
             </a:fld>
             <a:endParaRPr lang="en-US"/>
           </a:p>
@@ -3416,7 +3449,7 @@
           <a:p>
             <a:fld id="{1C8322F6-1C60-46CF-968C-BC20E470F443}" type="datetimeFigureOut">
               <a:rPr lang="en-US" smtClean="0"/>
-              <a:t>3/3/2024</a:t>
+              <a:t>3/5/2024</a:t>
             </a:fld>
             <a:endParaRPr lang="en-US"/>
           </a:p>
@@ -3884,7 +3917,7 @@
           <a:p>
             <a:fld id="{1C8322F6-1C60-46CF-968C-BC20E470F443}" type="datetimeFigureOut">
               <a:rPr lang="en-US" smtClean="0"/>
-              <a:t>3/3/2024</a:t>
+              <a:t>3/5/2024</a:t>
             </a:fld>
             <a:endParaRPr lang="en-US"/>
           </a:p>
@@ -4301,7 +4334,7 @@
           <a:p>
             <a:fld id="{1C8322F6-1C60-46CF-968C-BC20E470F443}" type="datetimeFigureOut">
               <a:rPr lang="en-US" smtClean="0"/>
-              <a:t>3/3/2024</a:t>
+              <a:t>3/5/2024</a:t>
             </a:fld>
             <a:endParaRPr lang="en-US"/>
           </a:p>
@@ -5411,14 +5444,14 @@
               </a:lnSpc>
             </a:pPr>
             <a:r>
-              <a:rPr lang="ar-SA" sz="2000" b="1">
+              <a:rPr lang="ar-SA" sz="2000" b="1" dirty="0">
                 <a:solidFill>
                   <a:srgbClr val="FFFFFF"/>
                 </a:solidFill>
               </a:rPr>
               <a:t>لغات البرمجة المستعملة في أنظمة التشغيل                                                       2</a:t>
             </a:r>
-            <a:endParaRPr lang="ar-SA">
+            <a:endParaRPr lang="ar-SA" dirty="0">
               <a:solidFill>
                 <a:srgbClr val="000000"/>
               </a:solidFill>
@@ -5452,7 +5485,7 @@
                   <a:srgbClr val="FFFFFF"/>
                 </a:solidFill>
               </a:rPr>
-              <a:t>المصادر                                                                                                  10</a:t>
+              <a:t>المصادر                                                                                                  6</a:t>
             </a:r>
           </a:p>
         </p:txBody>
@@ -6111,7 +6144,7 @@
         </p:nvSpPr>
         <p:spPr>
           <a:xfrm>
-            <a:off x="4002" y="-5435"/>
+            <a:off x="5046" y="-1521"/>
             <a:ext cx="12192000" cy="6858000"/>
           </a:xfrm>
           <a:prstGeom prst="rect">
@@ -6191,7 +6224,7 @@
         </p:nvSpPr>
         <p:spPr>
           <a:xfrm>
-            <a:off x="417534" y="480163"/>
+            <a:off x="531834" y="384913"/>
             <a:ext cx="11033342" cy="707886"/>
           </a:xfrm>
           <a:prstGeom prst="rect">
@@ -7396,6 +7429,54 @@
           <a:p>
             <a:pPr algn="ctr"/>
             <a:endParaRPr lang="en-US"/>
+          </a:p>
+        </p:txBody>
+      </p:sp>
+      <p:sp>
+        <p:nvSpPr>
+          <p:cNvPr id="6" name="TextBox 5">
+            <a:extLst>
+              <a:ext uri="{FF2B5EF4-FFF2-40B4-BE49-F238E27FC236}">
+                <a16:creationId xmlns:a16="http://schemas.microsoft.com/office/drawing/2014/main" id="{0FD0B618-A24D-70EB-5CB7-91B137CE8813}"/>
+              </a:ext>
+            </a:extLst>
+          </p:cNvPr>
+          <p:cNvSpPr txBox="1"/>
+          <p:nvPr/>
+        </p:nvSpPr>
+        <p:spPr>
+          <a:xfrm>
+            <a:off x="386219" y="5845479"/>
+            <a:ext cx="1127342" cy="646331"/>
+          </a:xfrm>
+          <a:prstGeom prst="rect">
+            <a:avLst/>
+          </a:prstGeom>
+          <a:noFill/>
+        </p:spPr>
+        <p:txBody>
+          <a:bodyPr rot="0" spcFirstLastPara="0" vertOverflow="overflow" horzOverflow="overflow" vert="horz" wrap="square" lIns="91440" tIns="45720" rIns="91440" bIns="45720" numCol="1" spcCol="0" rtlCol="0" fromWordArt="0" anchor="t" anchorCtr="0" forceAA="0" compatLnSpc="1">
+            <a:prstTxWarp prst="textNoShape">
+              <a:avLst/>
+            </a:prstTxWarp>
+            <a:spAutoFit/>
+          </a:bodyPr>
+          <a:lstStyle/>
+          <a:p>
+            <a:pPr algn="l"/>
+            <a:r>
+              <a:rPr lang="en-US" sz="3600" b="1" dirty="0">
+                <a:solidFill>
+                  <a:schemeClr val="bg1"/>
+                </a:solidFill>
+              </a:rPr>
+              <a:t>1</a:t>
+            </a:r>
+            <a:endParaRPr lang="en-US" sz="3600" dirty="0">
+              <a:solidFill>
+                <a:schemeClr val="bg1"/>
+              </a:solidFill>
+            </a:endParaRPr>
           </a:p>
         </p:txBody>
       </p:sp>
@@ -8626,7 +8707,7 @@
         </p:nvSpPr>
         <p:spPr>
           <a:xfrm>
-            <a:off x="803753" y="2661780"/>
+            <a:off x="803753" y="2359067"/>
             <a:ext cx="11064657" cy="3907929"/>
           </a:xfrm>
           <a:prstGeom prst="rect">
@@ -8745,6 +8826,49 @@
                 </a:solidFill>
               </a:rPr>
               <a:t>Go</a:t>
+            </a:r>
+          </a:p>
+        </p:txBody>
+      </p:sp>
+      <p:sp>
+        <p:nvSpPr>
+          <p:cNvPr id="7" name="TextBox 6">
+            <a:extLst>
+              <a:ext uri="{FF2B5EF4-FFF2-40B4-BE49-F238E27FC236}">
+                <a16:creationId xmlns:a16="http://schemas.microsoft.com/office/drawing/2014/main" id="{5D97109D-09E9-2142-546F-85EB08DA0364}"/>
+              </a:ext>
+            </a:extLst>
+          </p:cNvPr>
+          <p:cNvSpPr txBox="1"/>
+          <p:nvPr/>
+        </p:nvSpPr>
+        <p:spPr>
+          <a:xfrm>
+            <a:off x="167013" y="6075122"/>
+            <a:ext cx="908136" cy="646331"/>
+          </a:xfrm>
+          <a:prstGeom prst="rect">
+            <a:avLst/>
+          </a:prstGeom>
+          <a:noFill/>
+        </p:spPr>
+        <p:txBody>
+          <a:bodyPr rot="0" spcFirstLastPara="0" vertOverflow="overflow" horzOverflow="overflow" vert="horz" wrap="square" lIns="91440" tIns="45720" rIns="91440" bIns="45720" numCol="1" spcCol="0" rtlCol="0" fromWordArt="0" anchor="t" anchorCtr="0" forceAA="0" compatLnSpc="1">
+            <a:prstTxWarp prst="textNoShape">
+              <a:avLst/>
+            </a:prstTxWarp>
+            <a:spAutoFit/>
+          </a:bodyPr>
+          <a:lstStyle/>
+          <a:p>
+            <a:pPr algn="l"/>
+            <a:r>
+              <a:rPr lang="en-US" sz="3600" b="1" dirty="0">
+                <a:solidFill>
+                  <a:schemeClr val="bg1"/>
+                </a:solidFill>
+              </a:rPr>
+              <a:t>2</a:t>
             </a:r>
           </a:p>
         </p:txBody>
@@ -9670,7 +9794,7 @@
               </a:lnSpc>
             </a:pPr>
             <a:r>
-              <a:rPr lang="en-US" sz="2000" b="1" err="1">
+              <a:rPr lang="en-US" sz="2000" b="1" dirty="0" err="1">
                 <a:solidFill>
                   <a:schemeClr val="bg1"/>
                 </a:solidFill>
@@ -9686,7 +9810,7 @@
               </a:rPr>
             </a:br>
             <a:r>
-              <a:rPr lang="en-US" err="1">
+              <a:rPr lang="en-US" dirty="0" err="1">
                 <a:solidFill>
                   <a:schemeClr val="bg1"/>
                 </a:solidFill>
@@ -9706,7 +9830,7 @@
               <a:t> </a:t>
             </a:r>
             <a:r>
-              <a:rPr lang="en-US" err="1">
+              <a:rPr lang="en-US" dirty="0" err="1">
                 <a:solidFill>
                   <a:schemeClr val="bg1"/>
                 </a:solidFill>
@@ -9726,7 +9850,7 @@
               <a:t> </a:t>
             </a:r>
             <a:r>
-              <a:rPr lang="en-US" err="1">
+              <a:rPr lang="en-US" dirty="0" err="1">
                 <a:solidFill>
                   <a:schemeClr val="bg1"/>
                 </a:solidFill>
@@ -9746,7 +9870,7 @@
               <a:t> </a:t>
             </a:r>
             <a:r>
-              <a:rPr lang="en-US" err="1">
+              <a:rPr lang="en-US" dirty="0" err="1">
                 <a:solidFill>
                   <a:schemeClr val="bg1"/>
                 </a:solidFill>
@@ -9762,7 +9886,7 @@
               </a:rPr>
             </a:br>
             <a:r>
-              <a:rPr lang="en-US" err="1">
+              <a:rPr lang="en-US" dirty="0" err="1">
                 <a:solidFill>
                   <a:schemeClr val="bg1"/>
                 </a:solidFill>
@@ -9782,7 +9906,7 @@
               <a:t> </a:t>
             </a:r>
             <a:r>
-              <a:rPr lang="en-US" err="1">
+              <a:rPr lang="en-US" dirty="0" err="1">
                 <a:solidFill>
                   <a:schemeClr val="bg1"/>
                 </a:solidFill>
@@ -9802,7 +9926,7 @@
               <a:t> و </a:t>
             </a:r>
             <a:r>
-              <a:rPr lang="en-US" err="1">
+              <a:rPr lang="en-US" dirty="0" err="1">
                 <a:solidFill>
                   <a:schemeClr val="bg1"/>
                 </a:solidFill>
@@ -9822,7 +9946,7 @@
               <a:t> </a:t>
             </a:r>
             <a:r>
-              <a:rPr lang="en-US" err="1">
+              <a:rPr lang="en-US" dirty="0" err="1">
                 <a:solidFill>
                   <a:schemeClr val="bg1"/>
                 </a:solidFill>
@@ -9838,7 +9962,7 @@
               </a:rPr>
             </a:br>
             <a:r>
-              <a:rPr lang="en-US" err="1">
+              <a:rPr lang="en-US" dirty="0" err="1">
                 <a:solidFill>
                   <a:schemeClr val="bg1"/>
                 </a:solidFill>
@@ -9858,7 +9982,7 @@
               <a:t> </a:t>
             </a:r>
             <a:r>
-              <a:rPr lang="en-US" err="1">
+              <a:rPr lang="en-US" dirty="0" err="1">
                 <a:solidFill>
                   <a:schemeClr val="bg1"/>
                 </a:solidFill>
@@ -9878,7 +10002,7 @@
               <a:t> </a:t>
             </a:r>
             <a:r>
-              <a:rPr lang="en-US" err="1">
+              <a:rPr lang="en-US" dirty="0" err="1">
                 <a:solidFill>
                   <a:schemeClr val="bg1"/>
                 </a:solidFill>
@@ -9898,7 +10022,7 @@
               <a:t> </a:t>
             </a:r>
             <a:r>
-              <a:rPr lang="en-US" err="1">
+              <a:rPr lang="en-US" dirty="0" err="1">
                 <a:solidFill>
                   <a:schemeClr val="bg1"/>
                 </a:solidFill>
@@ -9918,7 +10042,7 @@
               <a:t> </a:t>
             </a:r>
             <a:r>
-              <a:rPr lang="en-US" err="1">
+              <a:rPr lang="en-US" dirty="0" err="1">
                 <a:solidFill>
                   <a:schemeClr val="bg1"/>
                 </a:solidFill>
@@ -9938,7 +10062,7 @@
               <a:t> </a:t>
             </a:r>
             <a:r>
-              <a:rPr lang="en-US" err="1">
+              <a:rPr lang="en-US" dirty="0" err="1">
                 <a:solidFill>
                   <a:schemeClr val="bg1"/>
                 </a:solidFill>
@@ -9947,13 +10071,16 @@
               </a:rPr>
               <a:t>محدوده</a:t>
             </a:r>
-            <a:endParaRPr lang="en-US" dirty="0">
-              <a:solidFill>
-                <a:schemeClr val="bg1"/>
-              </a:solidFill>
-              <a:ea typeface="+mn-lt"/>
-              <a:cs typeface="+mn-lt"/>
-            </a:endParaRPr>
+            <a:r>
+              <a:rPr lang="en-US" dirty="0">
+                <a:solidFill>
+                  <a:schemeClr val="bg1"/>
+                </a:solidFill>
+                <a:ea typeface="+mn-lt"/>
+                <a:cs typeface="+mn-lt"/>
+              </a:rPr>
+              <a:t>.</a:t>
+            </a:r>
           </a:p>
           <a:p>
             <a:pPr>
@@ -10771,6 +10898,13 @@
               </a:rPr>
               <a:t>من</a:t>
             </a:r>
+            <a:endParaRPr lang="en-US" sz="1600">
+              <a:solidFill>
+                <a:schemeClr val="bg1"/>
+              </a:solidFill>
+              <a:ea typeface="+mn-lt"/>
+              <a:cs typeface="+mn-lt"/>
+            </a:endParaRPr>
           </a:p>
           <a:p>
             <a:pPr>
@@ -10838,7 +10972,17 @@
               </a:rPr>
               <a:t>جدا</a:t>
             </a:r>
-            <a:endParaRPr lang="en-US" sz="1600">
+            <a:r>
+              <a:rPr lang="en-US" sz="1600" dirty="0">
+                <a:solidFill>
+                  <a:srgbClr val="FFFFFF"/>
+                </a:solidFill>
+                <a:ea typeface="+mn-lt"/>
+                <a:cs typeface="+mn-lt"/>
+              </a:rPr>
+              <a:t>.</a:t>
+            </a:r>
+            <a:endParaRPr lang="en-US" sz="1600" dirty="0">
               <a:solidFill>
                 <a:srgbClr val="FFFFFF"/>
               </a:solidFill>
@@ -11480,7 +11624,7 @@
               </a:lnSpc>
             </a:pPr>
             <a:r>
-              <a:rPr lang="en-US" err="1">
+              <a:rPr lang="en-US" dirty="0" err="1">
                 <a:solidFill>
                   <a:schemeClr val="bg1"/>
                 </a:solidFill>
@@ -11506,7 +11650,7 @@
               </a:rPr>
             </a:br>
             <a:r>
-              <a:rPr lang="en-US" err="1">
+              <a:rPr lang="en-US" dirty="0" err="1">
                 <a:solidFill>
                   <a:schemeClr val="bg1"/>
                 </a:solidFill>
@@ -11526,7 +11670,7 @@
               <a:t> </a:t>
             </a:r>
             <a:r>
-              <a:rPr lang="en-US" err="1">
+              <a:rPr lang="en-US" dirty="0" err="1">
                 <a:solidFill>
                   <a:schemeClr val="bg1"/>
                 </a:solidFill>
@@ -11546,7 +11690,7 @@
               <a:t> </a:t>
             </a:r>
             <a:r>
-              <a:rPr lang="en-US" err="1">
+              <a:rPr lang="en-US" dirty="0" err="1">
                 <a:solidFill>
                   <a:schemeClr val="bg1"/>
                 </a:solidFill>
@@ -11566,7 +11710,7 @@
               <a:t> </a:t>
             </a:r>
             <a:r>
-              <a:rPr lang="en-US" err="1">
+              <a:rPr lang="en-US" dirty="0" err="1">
                 <a:solidFill>
                   <a:schemeClr val="bg1"/>
                 </a:solidFill>
@@ -11586,7 +11730,7 @@
               <a:t> </a:t>
             </a:r>
             <a:r>
-              <a:rPr lang="en-US" err="1">
+              <a:rPr lang="en-US" dirty="0" err="1">
                 <a:solidFill>
                   <a:schemeClr val="bg1"/>
                 </a:solidFill>
@@ -11602,7 +11746,7 @@
               </a:rPr>
             </a:br>
             <a:r>
-              <a:rPr lang="en-US" err="1">
+              <a:rPr lang="en-US" dirty="0" err="1">
                 <a:solidFill>
                   <a:schemeClr val="bg1"/>
                 </a:solidFill>
@@ -11622,7 +11766,7 @@
               <a:t> </a:t>
             </a:r>
             <a:r>
-              <a:rPr lang="en-US" err="1">
+              <a:rPr lang="en-US" dirty="0" err="1">
                 <a:solidFill>
                   <a:schemeClr val="bg1"/>
                 </a:solidFill>
@@ -11642,7 +11786,7 @@
               <a:t> </a:t>
             </a:r>
             <a:r>
-              <a:rPr lang="en-US" err="1">
+              <a:rPr lang="en-US" dirty="0" err="1">
                 <a:solidFill>
                   <a:schemeClr val="bg1"/>
                 </a:solidFill>
@@ -11662,7 +11806,7 @@
               <a:t> </a:t>
             </a:r>
             <a:r>
-              <a:rPr lang="en-US" err="1">
+              <a:rPr lang="en-US" dirty="0" err="1">
                 <a:solidFill>
                   <a:schemeClr val="bg1"/>
                 </a:solidFill>
@@ -11682,7 +11826,7 @@
               <a:t> </a:t>
             </a:r>
             <a:r>
-              <a:rPr lang="en-US" err="1">
+              <a:rPr lang="en-US" dirty="0" err="1">
                 <a:solidFill>
                   <a:schemeClr val="bg1"/>
                 </a:solidFill>
@@ -11691,7 +11835,17 @@
               </a:rPr>
               <a:t>المستخدمين</a:t>
             </a:r>
-            <a:endParaRPr lang="en-US" err="1">
+            <a:r>
+              <a:rPr lang="en-US" dirty="0">
+                <a:solidFill>
+                  <a:schemeClr val="bg1"/>
+                </a:solidFill>
+                <a:ea typeface="+mn-lt"/>
+                <a:cs typeface="+mn-lt"/>
+              </a:rPr>
+              <a:t>.</a:t>
+            </a:r>
+            <a:endParaRPr lang="en-US" dirty="0" err="1">
               <a:solidFill>
                 <a:schemeClr val="bg1"/>
               </a:solidFill>
@@ -11727,6 +11881,54 @@
                 <a:spcPct val="150000"/>
               </a:lnSpc>
             </a:pPr>
+            <a:endParaRPr lang="en-US" dirty="0">
+              <a:solidFill>
+                <a:schemeClr val="bg1"/>
+              </a:solidFill>
+            </a:endParaRPr>
+          </a:p>
+        </p:txBody>
+      </p:sp>
+      <p:sp>
+        <p:nvSpPr>
+          <p:cNvPr id="10" name="TextBox 9">
+            <a:extLst>
+              <a:ext uri="{FF2B5EF4-FFF2-40B4-BE49-F238E27FC236}">
+                <a16:creationId xmlns:a16="http://schemas.microsoft.com/office/drawing/2014/main" id="{32450701-0864-4AEB-4338-DFE8C104E4F8}"/>
+              </a:ext>
+            </a:extLst>
+          </p:cNvPr>
+          <p:cNvSpPr txBox="1"/>
+          <p:nvPr/>
+        </p:nvSpPr>
+        <p:spPr>
+          <a:xfrm>
+            <a:off x="156575" y="6075123"/>
+            <a:ext cx="949890" cy="647178"/>
+          </a:xfrm>
+          <a:prstGeom prst="rect">
+            <a:avLst/>
+          </a:prstGeom>
+          <a:noFill/>
+        </p:spPr>
+        <p:txBody>
+          <a:bodyPr rot="0" spcFirstLastPara="0" vertOverflow="overflow" horzOverflow="overflow" vert="horz" wrap="square" lIns="91440" tIns="45720" rIns="91440" bIns="45720" numCol="1" spcCol="0" rtlCol="0" fromWordArt="0" anchor="t" anchorCtr="0" forceAA="0" compatLnSpc="1">
+            <a:prstTxWarp prst="textNoShape">
+              <a:avLst/>
+            </a:prstTxWarp>
+            <a:spAutoFit/>
+          </a:bodyPr>
+          <a:lstStyle/>
+          <a:p>
+            <a:pPr algn="l"/>
+            <a:r>
+              <a:rPr lang="en-US" sz="3600" b="1" dirty="0">
+                <a:solidFill>
+                  <a:schemeClr val="bg1"/>
+                </a:solidFill>
+              </a:rPr>
+              <a:t>3</a:t>
+            </a:r>
             <a:endParaRPr lang="en-US" dirty="0">
               <a:solidFill>
                 <a:schemeClr val="bg1"/>
@@ -11943,7 +12145,7 @@
           <p:cNvPr id="2" name="Footer Placeholder 1">
             <a:extLst>
               <a:ext uri="{FF2B5EF4-FFF2-40B4-BE49-F238E27FC236}">
-                <a16:creationId xmlns:a16="http://schemas.microsoft.com/office/drawing/2014/main" id="{81AFC6E2-E803-65C4-F160-6C0EA9CEA40B}"/>
+                <a16:creationId xmlns:a16="http://schemas.microsoft.com/office/drawing/2014/main" id="{14846946-1876-0321-3CD1-6997E7B202CC}"/>
               </a:ext>
             </a:extLst>
           </p:cNvPr>
@@ -11971,7 +12173,7 @@
           <p:cNvPr id="3" name="Slide Number Placeholder 2">
             <a:extLst>
               <a:ext uri="{FF2B5EF4-FFF2-40B4-BE49-F238E27FC236}">
-                <a16:creationId xmlns:a16="http://schemas.microsoft.com/office/drawing/2014/main" id="{DEFC1019-F524-A767-23EE-E6C94A192EEC}"/>
+                <a16:creationId xmlns:a16="http://schemas.microsoft.com/office/drawing/2014/main" id="{BB902E64-C963-AC27-7A51-A80889271B9B}"/>
               </a:ext>
             </a:extLst>
           </p:cNvPr>
@@ -11990,6 +12192,2930 @@
             <a:fld id="{5EEB83C2-341F-4C28-A243-1C56DDDA54D3}" type="slidenum">
               <a:rPr lang="en-US" smtClean="0"/>
               <a:t>6</a:t>
+            </a:fld>
+            <a:endParaRPr lang="en-US"/>
+          </a:p>
+        </p:txBody>
+      </p:sp>
+      <p:pic>
+        <p:nvPicPr>
+          <p:cNvPr id="7" name="Picture 6" descr="Ubuntu 23.10's New Software App Will Demote DEBs (Apparently) - OMG! Ubuntu">
+            <a:extLst>
+              <a:ext uri="{FF2B5EF4-FFF2-40B4-BE49-F238E27FC236}">
+                <a16:creationId xmlns:a16="http://schemas.microsoft.com/office/drawing/2014/main" id="{F42D3CBB-BB58-3A8F-04BB-7AF9473D823B}"/>
+              </a:ext>
+            </a:extLst>
+          </p:cNvPr>
+          <p:cNvPicPr>
+            <a:picLocks noChangeAspect="1"/>
+          </p:cNvPicPr>
+          <p:nvPr/>
+        </p:nvPicPr>
+        <p:blipFill>
+          <a:blip r:embed="rId2"/>
+          <a:stretch>
+            <a:fillRect/>
+          </a:stretch>
+        </p:blipFill>
+        <p:spPr>
+          <a:xfrm>
+            <a:off x="-4175" y="-2162"/>
+            <a:ext cx="12200349" cy="6862323"/>
+          </a:xfrm>
+          <a:prstGeom prst="rect">
+            <a:avLst/>
+          </a:prstGeom>
+        </p:spPr>
+      </p:pic>
+      <p:sp>
+        <p:nvSpPr>
+          <p:cNvPr id="8" name="Rectangle 7">
+            <a:extLst>
+              <a:ext uri="{FF2B5EF4-FFF2-40B4-BE49-F238E27FC236}">
+                <a16:creationId xmlns:a16="http://schemas.microsoft.com/office/drawing/2014/main" id="{6992BED4-BF17-CBB7-B614-DA6043A1131C}"/>
+              </a:ext>
+            </a:extLst>
+          </p:cNvPr>
+          <p:cNvSpPr/>
+          <p:nvPr/>
+        </p:nvSpPr>
+        <p:spPr>
+          <a:xfrm>
+            <a:off x="0" y="0"/>
+            <a:ext cx="12223314" cy="6858000"/>
+          </a:xfrm>
+          <a:prstGeom prst="rect">
+            <a:avLst/>
+          </a:prstGeom>
+          <a:solidFill>
+            <a:srgbClr val="000000">
+              <a:alpha val="60000"/>
+            </a:srgbClr>
+          </a:solidFill>
+        </p:spPr>
+        <p:style>
+          <a:lnRef idx="2">
+            <a:schemeClr val="accent1">
+              <a:shade val="15000"/>
+            </a:schemeClr>
+          </a:lnRef>
+          <a:fillRef idx="1">
+            <a:schemeClr val="accent1"/>
+          </a:fillRef>
+          <a:effectRef idx="0">
+            <a:schemeClr val="accent1"/>
+          </a:effectRef>
+          <a:fontRef idx="minor">
+            <a:schemeClr val="lt1"/>
+          </a:fontRef>
+        </p:style>
+        <p:txBody>
+          <a:bodyPr rtlCol="0" anchor="ctr"/>
+          <a:lstStyle/>
+          <a:p>
+            <a:pPr algn="ctr"/>
+            <a:endParaRPr lang="en-US"/>
+          </a:p>
+        </p:txBody>
+      </p:sp>
+      <mc:AlternateContent xmlns:mc="http://schemas.openxmlformats.org/markup-compatibility/2006" xmlns:p14="http://schemas.microsoft.com/office/powerpoint/2010/main">
+        <mc:Choice Requires="p14">
+          <p:contentPart p14:bwMode="auto" r:id="rId3">
+            <p14:nvContentPartPr>
+              <p14:cNvPr id="9" name="Ink 8">
+                <a:extLst>
+                  <a:ext uri="{FF2B5EF4-FFF2-40B4-BE49-F238E27FC236}">
+                    <a16:creationId xmlns:a16="http://schemas.microsoft.com/office/drawing/2014/main" id="{11471C26-FE91-F1D3-7C42-9FF09E92032E}"/>
+                  </a:ext>
+                </a:extLst>
+              </p14:cNvPr>
+              <p14:cNvContentPartPr/>
+              <p14:nvPr/>
+            </p14:nvContentPartPr>
+            <p14:xfrm>
+              <a:off x="1377863" y="6230005"/>
+              <a:ext cx="9487222" cy="10438"/>
+            </p14:xfrm>
+          </p:contentPart>
+        </mc:Choice>
+        <mc:Fallback xmlns="">
+          <p:pic>
+            <p:nvPicPr>
+              <p:cNvPr id="9" name="Ink 8">
+                <a:extLst>
+                  <a:ext uri="{FF2B5EF4-FFF2-40B4-BE49-F238E27FC236}">
+                    <a16:creationId xmlns:a16="http://schemas.microsoft.com/office/drawing/2014/main" id="{11471C26-FE91-F1D3-7C42-9FF09E92032E}"/>
+                  </a:ext>
+                </a:extLst>
+              </p:cNvPr>
+              <p:cNvPicPr/>
+              <p:nvPr/>
+            </p:nvPicPr>
+            <p:blipFill>
+              <a:blip r:embed="rId4"/>
+              <a:stretch>
+                <a:fillRect/>
+              </a:stretch>
+            </p:blipFill>
+            <p:spPr>
+              <a:xfrm>
+                <a:off x="1360223" y="5708105"/>
+                <a:ext cx="9522861" cy="1043800"/>
+              </a:xfrm>
+              <a:prstGeom prst="rect">
+                <a:avLst/>
+              </a:prstGeom>
+            </p:spPr>
+          </p:pic>
+        </mc:Fallback>
+      </mc:AlternateContent>
+      <p:sp>
+        <p:nvSpPr>
+          <p:cNvPr id="10" name="TextBox 9">
+            <a:extLst>
+              <a:ext uri="{FF2B5EF4-FFF2-40B4-BE49-F238E27FC236}">
+                <a16:creationId xmlns:a16="http://schemas.microsoft.com/office/drawing/2014/main" id="{08D711CD-AB4F-87FA-6D58-BAB5C9AF30ED}"/>
+              </a:ext>
+            </a:extLst>
+          </p:cNvPr>
+          <p:cNvSpPr txBox="1"/>
+          <p:nvPr/>
+        </p:nvSpPr>
+        <p:spPr>
+          <a:xfrm>
+            <a:off x="1231725" y="208766"/>
+            <a:ext cx="9885123" cy="646331"/>
+          </a:xfrm>
+          <a:prstGeom prst="rect">
+            <a:avLst/>
+          </a:prstGeom>
+          <a:noFill/>
+        </p:spPr>
+        <p:txBody>
+          <a:bodyPr rot="0" spcFirstLastPara="0" vertOverflow="overflow" horzOverflow="overflow" vert="horz" wrap="square" lIns="91440" tIns="45720" rIns="91440" bIns="45720" numCol="1" spcCol="0" rtlCol="0" fromWordArt="0" anchor="t" anchorCtr="0" forceAA="0" compatLnSpc="1">
+            <a:prstTxWarp prst="textNoShape">
+              <a:avLst/>
+            </a:prstTxWarp>
+            <a:spAutoFit/>
+          </a:bodyPr>
+          <a:lstStyle/>
+          <a:p>
+            <a:pPr algn="ctr"/>
+            <a:r>
+              <a:rPr lang="en-US" sz="3600" b="1" dirty="0">
+                <a:solidFill>
+                  <a:srgbClr val="FFFFFF"/>
+                </a:solidFill>
+              </a:rPr>
+              <a:t> UBUNTU</a:t>
+            </a:r>
+          </a:p>
+        </p:txBody>
+      </p:sp>
+      <p:sp>
+        <p:nvSpPr>
+          <p:cNvPr id="15" name="TextBox 14">
+            <a:extLst>
+              <a:ext uri="{FF2B5EF4-FFF2-40B4-BE49-F238E27FC236}">
+                <a16:creationId xmlns:a16="http://schemas.microsoft.com/office/drawing/2014/main" id="{CBC97338-27F3-B103-5C77-86F03AB63D70}"/>
+              </a:ext>
+            </a:extLst>
+          </p:cNvPr>
+          <p:cNvSpPr txBox="1"/>
+          <p:nvPr/>
+        </p:nvSpPr>
+        <p:spPr>
+          <a:xfrm>
+            <a:off x="1346548" y="1054273"/>
+            <a:ext cx="9498904" cy="1323439"/>
+          </a:xfrm>
+          <a:prstGeom prst="rect">
+            <a:avLst/>
+          </a:prstGeom>
+          <a:noFill/>
+        </p:spPr>
+        <p:txBody>
+          <a:bodyPr rot="0" spcFirstLastPara="0" vertOverflow="overflow" horzOverflow="overflow" vert="horz" wrap="square" lIns="91440" tIns="45720" rIns="91440" bIns="45720" numCol="1" spcCol="0" rtlCol="0" fromWordArt="0" anchor="t" anchorCtr="0" forceAA="0" compatLnSpc="1">
+            <a:prstTxWarp prst="textNoShape">
+              <a:avLst/>
+            </a:prstTxWarp>
+            <a:spAutoFit/>
+          </a:bodyPr>
+          <a:lstStyle/>
+          <a:p>
+            <a:r>
+              <a:rPr lang="en-US" sz="2000" b="1" dirty="0" err="1">
+                <a:solidFill>
+                  <a:srgbClr val="FFFFFF"/>
+                </a:solidFill>
+                <a:ea typeface="+mn-lt"/>
+                <a:cs typeface="+mn-lt"/>
+              </a:rPr>
+              <a:t>نوع</a:t>
+            </a:r>
+            <a:r>
+              <a:rPr lang="en-US" sz="2000" b="1" dirty="0">
+                <a:solidFill>
+                  <a:srgbClr val="FFFFFF"/>
+                </a:solidFill>
+                <a:ea typeface="+mn-lt"/>
+                <a:cs typeface="+mn-lt"/>
+              </a:rPr>
+              <a:t> </a:t>
+            </a:r>
+            <a:r>
+              <a:rPr lang="en-US" sz="2000" b="1" dirty="0" err="1">
+                <a:solidFill>
+                  <a:srgbClr val="FFFFFF"/>
+                </a:solidFill>
+                <a:ea typeface="+mn-lt"/>
+                <a:cs typeface="+mn-lt"/>
+              </a:rPr>
+              <a:t>من</a:t>
+            </a:r>
+            <a:r>
+              <a:rPr lang="en-US" sz="2000" b="1" dirty="0">
+                <a:solidFill>
+                  <a:srgbClr val="FFFFFF"/>
+                </a:solidFill>
+                <a:ea typeface="+mn-lt"/>
+                <a:cs typeface="+mn-lt"/>
+              </a:rPr>
+              <a:t> </a:t>
+            </a:r>
+            <a:r>
+              <a:rPr lang="en-US" sz="2000" b="1" dirty="0" err="1">
+                <a:solidFill>
+                  <a:srgbClr val="FFFFFF"/>
+                </a:solidFill>
+                <a:ea typeface="+mn-lt"/>
+                <a:cs typeface="+mn-lt"/>
+              </a:rPr>
+              <a:t>انوع</a:t>
+            </a:r>
+            <a:r>
+              <a:rPr lang="en-US" sz="2000" b="1" dirty="0">
+                <a:solidFill>
+                  <a:srgbClr val="FFFFFF"/>
+                </a:solidFill>
+                <a:ea typeface="+mn-lt"/>
+                <a:cs typeface="+mn-lt"/>
+              </a:rPr>
+              <a:t> </a:t>
+            </a:r>
+            <a:r>
+              <a:rPr lang="en-US" sz="2000" b="1" dirty="0" err="1">
+                <a:solidFill>
+                  <a:srgbClr val="FFFFFF"/>
+                </a:solidFill>
+                <a:ea typeface="+mn-lt"/>
+                <a:cs typeface="+mn-lt"/>
+              </a:rPr>
+              <a:t>انظمة</a:t>
+            </a:r>
+            <a:r>
+              <a:rPr lang="en-US" sz="2000" b="1" dirty="0">
+                <a:solidFill>
+                  <a:srgbClr val="FFFFFF"/>
+                </a:solidFill>
+                <a:ea typeface="+mn-lt"/>
+                <a:cs typeface="+mn-lt"/>
+              </a:rPr>
+              <a:t> </a:t>
+            </a:r>
+            <a:r>
+              <a:rPr lang="en-US" sz="2000" b="1" dirty="0" err="1">
+                <a:solidFill>
+                  <a:srgbClr val="FFFFFF"/>
+                </a:solidFill>
+                <a:ea typeface="+mn-lt"/>
+                <a:cs typeface="+mn-lt"/>
+              </a:rPr>
+              <a:t>لينكس</a:t>
+            </a:r>
+            <a:r>
+              <a:rPr lang="en-US" sz="2000" b="1" dirty="0">
+                <a:solidFill>
+                  <a:srgbClr val="FFFFFF"/>
+                </a:solidFill>
+                <a:ea typeface="+mn-lt"/>
+                <a:cs typeface="+mn-lt"/>
+              </a:rPr>
+              <a:t> </a:t>
+            </a:r>
+            <a:r>
+              <a:rPr lang="en-US" sz="2000" b="1" dirty="0" err="1">
+                <a:solidFill>
+                  <a:srgbClr val="FFFFFF"/>
+                </a:solidFill>
+                <a:ea typeface="+mn-lt"/>
+                <a:cs typeface="+mn-lt"/>
+              </a:rPr>
+              <a:t>يمتلك</a:t>
+            </a:r>
+            <a:r>
+              <a:rPr lang="en-US" sz="2000" b="1" dirty="0">
+                <a:solidFill>
+                  <a:srgbClr val="FFFFFF"/>
+                </a:solidFill>
+                <a:ea typeface="+mn-lt"/>
+                <a:cs typeface="+mn-lt"/>
+              </a:rPr>
+              <a:t> </a:t>
+            </a:r>
+            <a:r>
+              <a:rPr lang="en-US" sz="2000" b="1" dirty="0" err="1">
+                <a:solidFill>
+                  <a:srgbClr val="FFFFFF"/>
+                </a:solidFill>
+                <a:ea typeface="+mn-lt"/>
+                <a:cs typeface="+mn-lt"/>
+              </a:rPr>
+              <a:t>عدد</a:t>
+            </a:r>
+            <a:r>
+              <a:rPr lang="en-US" sz="2000" b="1" dirty="0">
+                <a:solidFill>
+                  <a:srgbClr val="FFFFFF"/>
+                </a:solidFill>
+                <a:ea typeface="+mn-lt"/>
+                <a:cs typeface="+mn-lt"/>
+              </a:rPr>
+              <a:t> </a:t>
+            </a:r>
+            <a:r>
+              <a:rPr lang="en-US" sz="2000" b="1" dirty="0" err="1">
+                <a:solidFill>
+                  <a:srgbClr val="FFFFFF"/>
+                </a:solidFill>
+                <a:ea typeface="+mn-lt"/>
+                <a:cs typeface="+mn-lt"/>
+              </a:rPr>
+              <a:t>غير</a:t>
+            </a:r>
+            <a:r>
+              <a:rPr lang="en-US" sz="2000" b="1" dirty="0">
+                <a:solidFill>
+                  <a:srgbClr val="FFFFFF"/>
+                </a:solidFill>
+                <a:ea typeface="+mn-lt"/>
+                <a:cs typeface="+mn-lt"/>
+              </a:rPr>
+              <a:t> </a:t>
+            </a:r>
+            <a:r>
+              <a:rPr lang="en-US" sz="2000" b="1" dirty="0" err="1">
+                <a:solidFill>
+                  <a:srgbClr val="FFFFFF"/>
+                </a:solidFill>
+                <a:ea typeface="+mn-lt"/>
+                <a:cs typeface="+mn-lt"/>
+              </a:rPr>
+              <a:t>محدود</a:t>
+            </a:r>
+            <a:r>
+              <a:rPr lang="en-US" sz="2000" b="1" dirty="0">
+                <a:solidFill>
+                  <a:srgbClr val="FFFFFF"/>
+                </a:solidFill>
+                <a:ea typeface="+mn-lt"/>
+                <a:cs typeface="+mn-lt"/>
+              </a:rPr>
+              <a:t> </a:t>
+            </a:r>
+            <a:r>
+              <a:rPr lang="en-US" sz="2000" b="1" dirty="0" err="1">
+                <a:solidFill>
+                  <a:srgbClr val="FFFFFF"/>
+                </a:solidFill>
+                <a:ea typeface="+mn-lt"/>
+                <a:cs typeface="+mn-lt"/>
+              </a:rPr>
+              <a:t>من</a:t>
+            </a:r>
+            <a:r>
+              <a:rPr lang="en-US" sz="2000" b="1" dirty="0">
+                <a:solidFill>
+                  <a:srgbClr val="FFFFFF"/>
+                </a:solidFill>
+                <a:ea typeface="+mn-lt"/>
+                <a:cs typeface="+mn-lt"/>
+              </a:rPr>
+              <a:t> </a:t>
+            </a:r>
+            <a:r>
+              <a:rPr lang="en-US" sz="2000" b="1" dirty="0" err="1">
+                <a:solidFill>
+                  <a:srgbClr val="FFFFFF"/>
+                </a:solidFill>
+                <a:ea typeface="+mn-lt"/>
+                <a:cs typeface="+mn-lt"/>
+              </a:rPr>
+              <a:t>المصادر</a:t>
+            </a:r>
+            <a:r>
+              <a:rPr lang="en-US" sz="2000" b="1" dirty="0">
+                <a:solidFill>
+                  <a:srgbClr val="FFFFFF"/>
+                </a:solidFill>
+                <a:ea typeface="+mn-lt"/>
+                <a:cs typeface="+mn-lt"/>
+              </a:rPr>
+              <a:t> </a:t>
+            </a:r>
+            <a:r>
+              <a:rPr lang="en-US" sz="2000" b="1" dirty="0" err="1">
+                <a:solidFill>
+                  <a:srgbClr val="FFFFFF"/>
+                </a:solidFill>
+                <a:ea typeface="+mn-lt"/>
+                <a:cs typeface="+mn-lt"/>
+              </a:rPr>
+              <a:t>للنظام</a:t>
+            </a:r>
+            <a:r>
+              <a:rPr lang="en-US" sz="2000" b="1" dirty="0">
+                <a:solidFill>
+                  <a:srgbClr val="FFFFFF"/>
+                </a:solidFill>
+                <a:ea typeface="+mn-lt"/>
+                <a:cs typeface="+mn-lt"/>
+              </a:rPr>
+              <a:t> </a:t>
+            </a:r>
+            <a:r>
+              <a:rPr lang="en-US" sz="2000" b="1" dirty="0" err="1">
+                <a:solidFill>
+                  <a:srgbClr val="FFFFFF"/>
+                </a:solidFill>
+                <a:ea typeface="+mn-lt"/>
+                <a:cs typeface="+mn-lt"/>
+              </a:rPr>
+              <a:t>والذي</a:t>
+            </a:r>
+            <a:r>
+              <a:rPr lang="en-US" sz="2000" b="1" dirty="0">
+                <a:solidFill>
+                  <a:srgbClr val="FFFFFF"/>
+                </a:solidFill>
+                <a:ea typeface="+mn-lt"/>
+                <a:cs typeface="+mn-lt"/>
+              </a:rPr>
+              <a:t> </a:t>
+            </a:r>
+            <a:r>
+              <a:rPr lang="en-US" sz="2000" b="1" dirty="0" err="1">
+                <a:solidFill>
+                  <a:srgbClr val="FFFFFF"/>
+                </a:solidFill>
+                <a:ea typeface="+mn-lt"/>
+                <a:cs typeface="+mn-lt"/>
+              </a:rPr>
+              <a:t>من</a:t>
+            </a:r>
+            <a:r>
+              <a:rPr lang="en-US" sz="2000" b="1" dirty="0">
+                <a:solidFill>
+                  <a:srgbClr val="FFFFFF"/>
+                </a:solidFill>
+                <a:ea typeface="+mn-lt"/>
+                <a:cs typeface="+mn-lt"/>
+              </a:rPr>
+              <a:t> </a:t>
+            </a:r>
+            <a:r>
+              <a:rPr lang="en-US" sz="2000" b="1" dirty="0" err="1">
+                <a:solidFill>
+                  <a:srgbClr val="FFFFFF"/>
+                </a:solidFill>
+                <a:ea typeface="+mn-lt"/>
+                <a:cs typeface="+mn-lt"/>
+              </a:rPr>
+              <a:t>الممكن</a:t>
+            </a:r>
+            <a:r>
+              <a:rPr lang="en-US" sz="2000" b="1" dirty="0">
+                <a:solidFill>
+                  <a:srgbClr val="FFFFFF"/>
+                </a:solidFill>
+                <a:ea typeface="+mn-lt"/>
+                <a:cs typeface="+mn-lt"/>
+              </a:rPr>
+              <a:t> </a:t>
+            </a:r>
+            <a:r>
+              <a:rPr lang="en-US" sz="2000" b="1" dirty="0" err="1">
+                <a:solidFill>
+                  <a:srgbClr val="FFFFFF"/>
+                </a:solidFill>
+                <a:ea typeface="+mn-lt"/>
+                <a:cs typeface="+mn-lt"/>
+              </a:rPr>
+              <a:t>التعديل</a:t>
+            </a:r>
+            <a:r>
+              <a:rPr lang="en-US" sz="2000" b="1" dirty="0">
+                <a:solidFill>
+                  <a:srgbClr val="FFFFFF"/>
+                </a:solidFill>
+                <a:ea typeface="+mn-lt"/>
+                <a:cs typeface="+mn-lt"/>
+              </a:rPr>
+              <a:t> </a:t>
+            </a:r>
+            <a:r>
+              <a:rPr lang="en-US" sz="2000" b="1" dirty="0" err="1">
+                <a:solidFill>
+                  <a:srgbClr val="FFFFFF"/>
+                </a:solidFill>
+                <a:ea typeface="+mn-lt"/>
+                <a:cs typeface="+mn-lt"/>
+              </a:rPr>
+              <a:t>عليها</a:t>
+            </a:r>
+            <a:r>
+              <a:rPr lang="en-US" sz="2000" b="1" dirty="0">
+                <a:solidFill>
+                  <a:srgbClr val="FFFFFF"/>
+                </a:solidFill>
+                <a:ea typeface="+mn-lt"/>
+                <a:cs typeface="+mn-lt"/>
+              </a:rPr>
+              <a:t> </a:t>
+            </a:r>
+            <a:r>
+              <a:rPr lang="en-US" sz="2000" b="1" dirty="0" err="1">
+                <a:solidFill>
+                  <a:srgbClr val="FFFFFF"/>
+                </a:solidFill>
+                <a:ea typeface="+mn-lt"/>
+                <a:cs typeface="+mn-lt"/>
+              </a:rPr>
+              <a:t>تم</a:t>
+            </a:r>
+            <a:r>
+              <a:rPr lang="en-US" sz="2000" b="1" dirty="0">
+                <a:solidFill>
+                  <a:srgbClr val="FFFFFF"/>
+                </a:solidFill>
+                <a:ea typeface="+mn-lt"/>
+                <a:cs typeface="+mn-lt"/>
+              </a:rPr>
+              <a:t> </a:t>
+            </a:r>
+            <a:r>
+              <a:rPr lang="en-US" sz="2000" b="1" dirty="0" err="1">
+                <a:solidFill>
+                  <a:srgbClr val="FFFFFF"/>
+                </a:solidFill>
+                <a:ea typeface="+mn-lt"/>
+                <a:cs typeface="+mn-lt"/>
+              </a:rPr>
+              <a:t>اصدار</a:t>
+            </a:r>
+            <a:r>
+              <a:rPr lang="en-US" sz="2000" b="1" dirty="0">
+                <a:solidFill>
+                  <a:srgbClr val="FFFFFF"/>
+                </a:solidFill>
+                <a:ea typeface="+mn-lt"/>
+                <a:cs typeface="+mn-lt"/>
+              </a:rPr>
+              <a:t> </a:t>
+            </a:r>
+            <a:r>
+              <a:rPr lang="en-US" sz="2000" b="1" dirty="0" err="1">
+                <a:solidFill>
+                  <a:srgbClr val="FFFFFF"/>
+                </a:solidFill>
+                <a:ea typeface="+mn-lt"/>
+                <a:cs typeface="+mn-lt"/>
+              </a:rPr>
+              <a:t>هذا</a:t>
+            </a:r>
+            <a:r>
+              <a:rPr lang="en-US" sz="2000" b="1" dirty="0">
+                <a:solidFill>
+                  <a:srgbClr val="FFFFFF"/>
+                </a:solidFill>
+                <a:ea typeface="+mn-lt"/>
+                <a:cs typeface="+mn-lt"/>
+              </a:rPr>
+              <a:t> </a:t>
+            </a:r>
+            <a:r>
+              <a:rPr lang="en-US" sz="2000" b="1" dirty="0" err="1">
+                <a:solidFill>
+                  <a:srgbClr val="FFFFFF"/>
+                </a:solidFill>
+                <a:ea typeface="+mn-lt"/>
+                <a:cs typeface="+mn-lt"/>
+              </a:rPr>
+              <a:t>النظام</a:t>
+            </a:r>
+            <a:r>
+              <a:rPr lang="en-US" sz="2000" b="1" dirty="0">
+                <a:solidFill>
+                  <a:srgbClr val="FFFFFF"/>
+                </a:solidFill>
+                <a:ea typeface="+mn-lt"/>
+                <a:cs typeface="+mn-lt"/>
+              </a:rPr>
+              <a:t> </a:t>
+            </a:r>
+            <a:r>
+              <a:rPr lang="en-US" sz="2000" b="1" dirty="0" err="1">
+                <a:solidFill>
+                  <a:srgbClr val="FFFFFF"/>
+                </a:solidFill>
+                <a:ea typeface="+mn-lt"/>
+                <a:cs typeface="+mn-lt"/>
+              </a:rPr>
+              <a:t>بعدة</a:t>
+            </a:r>
+            <a:r>
+              <a:rPr lang="en-US" sz="2000" b="1" dirty="0">
+                <a:solidFill>
+                  <a:srgbClr val="FFFFFF"/>
+                </a:solidFill>
+                <a:ea typeface="+mn-lt"/>
+                <a:cs typeface="+mn-lt"/>
+              </a:rPr>
+              <a:t> </a:t>
+            </a:r>
+            <a:r>
+              <a:rPr lang="en-US" sz="2000" b="1" dirty="0" err="1">
+                <a:solidFill>
+                  <a:srgbClr val="FFFFFF"/>
+                </a:solidFill>
+                <a:ea typeface="+mn-lt"/>
+                <a:cs typeface="+mn-lt"/>
+              </a:rPr>
+              <a:t>انواع</a:t>
+            </a:r>
+            <a:r>
+              <a:rPr lang="en-US" sz="2000" b="1" dirty="0">
+                <a:solidFill>
+                  <a:srgbClr val="FFFFFF"/>
+                </a:solidFill>
+                <a:ea typeface="+mn-lt"/>
+                <a:cs typeface="+mn-lt"/>
+              </a:rPr>
+              <a:t> </a:t>
+            </a:r>
+            <a:r>
+              <a:rPr lang="en-US" sz="2000" b="1" dirty="0" err="1">
+                <a:solidFill>
+                  <a:srgbClr val="FFFFFF"/>
+                </a:solidFill>
+                <a:ea typeface="+mn-lt"/>
+                <a:cs typeface="+mn-lt"/>
+              </a:rPr>
+              <a:t>اولا</a:t>
+            </a:r>
+            <a:r>
+              <a:rPr lang="en-US" sz="2000" b="1" dirty="0">
+                <a:solidFill>
+                  <a:srgbClr val="FFFFFF"/>
+                </a:solidFill>
+                <a:ea typeface="+mn-lt"/>
+                <a:cs typeface="+mn-lt"/>
+              </a:rPr>
+              <a:t> (desktop server) و </a:t>
+            </a:r>
+            <a:r>
+              <a:rPr lang="en-US" sz="2000" b="1" dirty="0" err="1">
+                <a:solidFill>
+                  <a:srgbClr val="FFFFFF"/>
+                </a:solidFill>
+                <a:ea typeface="+mn-lt"/>
+                <a:cs typeface="+mn-lt"/>
+              </a:rPr>
+              <a:t>ثانيا</a:t>
+            </a:r>
+            <a:r>
+              <a:rPr lang="en-US" sz="2000" b="1" dirty="0">
+                <a:solidFill>
+                  <a:srgbClr val="FFFFFF"/>
+                </a:solidFill>
+                <a:ea typeface="+mn-lt"/>
+                <a:cs typeface="+mn-lt"/>
+              </a:rPr>
+              <a:t> </a:t>
+            </a:r>
+            <a:r>
+              <a:rPr lang="en-US" sz="2000" b="1" dirty="0" err="1">
+                <a:solidFill>
+                  <a:srgbClr val="FFFFFF"/>
+                </a:solidFill>
+                <a:ea typeface="+mn-lt"/>
+                <a:cs typeface="+mn-lt"/>
+              </a:rPr>
+              <a:t>النظام</a:t>
+            </a:r>
+            <a:r>
+              <a:rPr lang="en-US" sz="2000" b="1" dirty="0">
+                <a:solidFill>
+                  <a:srgbClr val="FFFFFF"/>
+                </a:solidFill>
+                <a:ea typeface="+mn-lt"/>
+                <a:cs typeface="+mn-lt"/>
+              </a:rPr>
+              <a:t> </a:t>
+            </a:r>
+            <a:r>
+              <a:rPr lang="en-US" sz="2000" b="1" dirty="0" err="1">
+                <a:solidFill>
+                  <a:srgbClr val="FFFFFF"/>
+                </a:solidFill>
+                <a:ea typeface="+mn-lt"/>
+                <a:cs typeface="+mn-lt"/>
+              </a:rPr>
+              <a:t>الاساسي</a:t>
+            </a:r>
+            <a:r>
+              <a:rPr lang="en-US" sz="2000" b="1" dirty="0">
+                <a:solidFill>
+                  <a:srgbClr val="FFFFFF"/>
+                </a:solidFill>
+                <a:ea typeface="+mn-lt"/>
+                <a:cs typeface="+mn-lt"/>
+              </a:rPr>
+              <a:t> </a:t>
+            </a:r>
+            <a:r>
+              <a:rPr lang="en-US" sz="2000" b="1" dirty="0" err="1">
+                <a:solidFill>
+                  <a:srgbClr val="FFFFFF"/>
+                </a:solidFill>
+                <a:ea typeface="+mn-lt"/>
+                <a:cs typeface="+mn-lt"/>
+              </a:rPr>
+              <a:t>لعدة</a:t>
+            </a:r>
+            <a:r>
+              <a:rPr lang="en-US" sz="2000" b="1" dirty="0">
+                <a:solidFill>
+                  <a:srgbClr val="FFFFFF"/>
+                </a:solidFill>
+                <a:ea typeface="+mn-lt"/>
+                <a:cs typeface="+mn-lt"/>
+              </a:rPr>
+              <a:t> </a:t>
+            </a:r>
+            <a:r>
+              <a:rPr lang="en-US" sz="2000" b="1" dirty="0" err="1">
+                <a:solidFill>
+                  <a:srgbClr val="FFFFFF"/>
+                </a:solidFill>
+                <a:ea typeface="+mn-lt"/>
+                <a:cs typeface="+mn-lt"/>
+              </a:rPr>
+              <a:t>انظمة</a:t>
+            </a:r>
+            <a:r>
+              <a:rPr lang="en-US" sz="2000" b="1" dirty="0">
+                <a:solidFill>
+                  <a:srgbClr val="FFFFFF"/>
+                </a:solidFill>
+                <a:ea typeface="+mn-lt"/>
+                <a:cs typeface="+mn-lt"/>
+              </a:rPr>
+              <a:t> </a:t>
+            </a:r>
+            <a:r>
+              <a:rPr lang="en-US" sz="2000" b="1" dirty="0" err="1">
+                <a:solidFill>
+                  <a:srgbClr val="FFFFFF"/>
+                </a:solidFill>
+                <a:ea typeface="+mn-lt"/>
+                <a:cs typeface="+mn-lt"/>
+              </a:rPr>
+              <a:t>للأنترنت</a:t>
+            </a:r>
+            <a:r>
+              <a:rPr lang="en-US" sz="2000" b="1" dirty="0">
+                <a:solidFill>
+                  <a:srgbClr val="FFFFFF"/>
+                </a:solidFill>
+                <a:ea typeface="+mn-lt"/>
+                <a:cs typeface="+mn-lt"/>
+              </a:rPr>
+              <a:t> </a:t>
+            </a:r>
+            <a:r>
+              <a:rPr lang="en-US" sz="2000" b="1" dirty="0" err="1">
+                <a:solidFill>
+                  <a:srgbClr val="FFFFFF"/>
+                </a:solidFill>
+                <a:ea typeface="+mn-lt"/>
+                <a:cs typeface="+mn-lt"/>
+              </a:rPr>
+              <a:t>تم</a:t>
+            </a:r>
+            <a:r>
+              <a:rPr lang="en-US" sz="2000" b="1" dirty="0">
+                <a:solidFill>
+                  <a:srgbClr val="FFFFFF"/>
+                </a:solidFill>
+                <a:ea typeface="+mn-lt"/>
+                <a:cs typeface="+mn-lt"/>
+              </a:rPr>
+              <a:t> </a:t>
+            </a:r>
+            <a:r>
+              <a:rPr lang="en-US" sz="2000" b="1" dirty="0" err="1">
+                <a:solidFill>
+                  <a:srgbClr val="FFFFFF"/>
+                </a:solidFill>
+                <a:ea typeface="+mn-lt"/>
+                <a:cs typeface="+mn-lt"/>
+              </a:rPr>
+              <a:t>تطوير</a:t>
+            </a:r>
+            <a:r>
+              <a:rPr lang="en-US" sz="2000" b="1" dirty="0">
+                <a:solidFill>
+                  <a:srgbClr val="FFFFFF"/>
+                </a:solidFill>
+                <a:ea typeface="+mn-lt"/>
+                <a:cs typeface="+mn-lt"/>
+              </a:rPr>
+              <a:t> </a:t>
+            </a:r>
+            <a:r>
+              <a:rPr lang="en-US" sz="2000" b="1" dirty="0" err="1">
+                <a:solidFill>
+                  <a:srgbClr val="FFFFFF"/>
+                </a:solidFill>
+                <a:ea typeface="+mn-lt"/>
+                <a:cs typeface="+mn-lt"/>
+              </a:rPr>
+              <a:t>هذا</a:t>
+            </a:r>
+            <a:r>
+              <a:rPr lang="en-US" sz="2000" b="1" dirty="0">
+                <a:solidFill>
+                  <a:srgbClr val="FFFFFF"/>
+                </a:solidFill>
+                <a:ea typeface="+mn-lt"/>
+                <a:cs typeface="+mn-lt"/>
+              </a:rPr>
+              <a:t> </a:t>
+            </a:r>
+            <a:r>
+              <a:rPr lang="en-US" sz="2000" b="1" dirty="0" err="1">
+                <a:solidFill>
+                  <a:srgbClr val="FFFFFF"/>
+                </a:solidFill>
+                <a:ea typeface="+mn-lt"/>
+                <a:cs typeface="+mn-lt"/>
+              </a:rPr>
+              <a:t>النظام</a:t>
+            </a:r>
+            <a:r>
+              <a:rPr lang="en-US" sz="2000" b="1" dirty="0">
+                <a:solidFill>
+                  <a:srgbClr val="FFFFFF"/>
+                </a:solidFill>
+                <a:ea typeface="+mn-lt"/>
+                <a:cs typeface="+mn-lt"/>
+              </a:rPr>
+              <a:t> </a:t>
+            </a:r>
+            <a:r>
+              <a:rPr lang="en-US" sz="2000" b="1" dirty="0" err="1">
+                <a:solidFill>
+                  <a:srgbClr val="FFFFFF"/>
+                </a:solidFill>
+                <a:ea typeface="+mn-lt"/>
+                <a:cs typeface="+mn-lt"/>
+              </a:rPr>
+              <a:t>من</a:t>
+            </a:r>
+            <a:r>
+              <a:rPr lang="en-US" sz="2000" b="1" dirty="0">
+                <a:solidFill>
+                  <a:srgbClr val="FFFFFF"/>
+                </a:solidFill>
+                <a:ea typeface="+mn-lt"/>
+                <a:cs typeface="+mn-lt"/>
+              </a:rPr>
+              <a:t> </a:t>
+            </a:r>
+            <a:r>
+              <a:rPr lang="en-US" sz="2000" b="1" dirty="0" err="1">
+                <a:solidFill>
+                  <a:srgbClr val="FFFFFF"/>
+                </a:solidFill>
+                <a:ea typeface="+mn-lt"/>
+                <a:cs typeface="+mn-lt"/>
+              </a:rPr>
+              <a:t>قبل</a:t>
+            </a:r>
+            <a:r>
+              <a:rPr lang="en-US" sz="2000" b="1" dirty="0">
+                <a:solidFill>
+                  <a:srgbClr val="FFFFFF"/>
+                </a:solidFill>
+                <a:ea typeface="+mn-lt"/>
+                <a:cs typeface="+mn-lt"/>
+              </a:rPr>
+              <a:t> </a:t>
+            </a:r>
+            <a:r>
+              <a:rPr lang="en-US" sz="2000" b="1" dirty="0" err="1">
+                <a:solidFill>
+                  <a:srgbClr val="FFFFFF"/>
+                </a:solidFill>
+                <a:ea typeface="+mn-lt"/>
+                <a:cs typeface="+mn-lt"/>
+              </a:rPr>
+              <a:t>الشركة</a:t>
+            </a:r>
+            <a:r>
+              <a:rPr lang="en-US" sz="2000" b="1" dirty="0">
+                <a:solidFill>
+                  <a:srgbClr val="FFFFFF"/>
+                </a:solidFill>
+                <a:ea typeface="+mn-lt"/>
+                <a:cs typeface="+mn-lt"/>
+              </a:rPr>
+              <a:t> </a:t>
+            </a:r>
+            <a:r>
+              <a:rPr lang="en-US" sz="2000" b="1" dirty="0" err="1">
+                <a:solidFill>
+                  <a:srgbClr val="FFFFFF"/>
+                </a:solidFill>
+                <a:ea typeface="+mn-lt"/>
+                <a:cs typeface="+mn-lt"/>
+              </a:rPr>
+              <a:t>البرطانية</a:t>
+            </a:r>
+            <a:r>
+              <a:rPr lang="en-US" sz="2000" b="1" dirty="0">
+                <a:solidFill>
+                  <a:srgbClr val="FFFFFF"/>
+                </a:solidFill>
+                <a:ea typeface="+mn-lt"/>
+                <a:cs typeface="+mn-lt"/>
+              </a:rPr>
+              <a:t>(canonical) </a:t>
+            </a:r>
+            <a:r>
+              <a:rPr lang="en-US" sz="2000" b="1" dirty="0" err="1">
+                <a:solidFill>
+                  <a:srgbClr val="FFFFFF"/>
+                </a:solidFill>
+                <a:ea typeface="+mn-lt"/>
+                <a:cs typeface="+mn-lt"/>
+              </a:rPr>
+              <a:t>ومجتمع</a:t>
+            </a:r>
+            <a:r>
+              <a:rPr lang="en-US" sz="2000" b="1" dirty="0">
+                <a:solidFill>
+                  <a:srgbClr val="FFFFFF"/>
+                </a:solidFill>
+                <a:ea typeface="+mn-lt"/>
+                <a:cs typeface="+mn-lt"/>
+              </a:rPr>
+              <a:t> </a:t>
+            </a:r>
+            <a:r>
+              <a:rPr lang="en-US" sz="2000" b="1" dirty="0" err="1">
+                <a:solidFill>
+                  <a:srgbClr val="FFFFFF"/>
+                </a:solidFill>
+                <a:ea typeface="+mn-lt"/>
+                <a:cs typeface="+mn-lt"/>
+              </a:rPr>
+              <a:t>المطورين</a:t>
+            </a:r>
+            <a:r>
+              <a:rPr lang="en-US" sz="2000" b="1" dirty="0">
+                <a:solidFill>
+                  <a:srgbClr val="FFFFFF"/>
+                </a:solidFill>
+                <a:ea typeface="+mn-lt"/>
+                <a:cs typeface="+mn-lt"/>
+              </a:rPr>
+              <a:t> </a:t>
+            </a:r>
+            <a:r>
+              <a:rPr lang="en-US" sz="2000" b="1" dirty="0" err="1">
+                <a:solidFill>
+                  <a:srgbClr val="FFFFFF"/>
+                </a:solidFill>
+                <a:ea typeface="+mn-lt"/>
+                <a:cs typeface="+mn-lt"/>
+              </a:rPr>
+              <a:t>تحت</a:t>
+            </a:r>
+            <a:r>
+              <a:rPr lang="en-US" sz="2000" b="1" dirty="0">
+                <a:solidFill>
+                  <a:srgbClr val="FFFFFF"/>
+                </a:solidFill>
+                <a:ea typeface="+mn-lt"/>
+                <a:cs typeface="+mn-lt"/>
+              </a:rPr>
+              <a:t> </a:t>
+            </a:r>
+            <a:r>
+              <a:rPr lang="en-US" sz="2000" b="1" dirty="0" err="1">
+                <a:solidFill>
+                  <a:srgbClr val="FFFFFF"/>
+                </a:solidFill>
+                <a:ea typeface="+mn-lt"/>
+                <a:cs typeface="+mn-lt"/>
+              </a:rPr>
+              <a:t>قوانين</a:t>
+            </a:r>
+            <a:r>
+              <a:rPr lang="en-US" sz="2000" b="1" dirty="0">
+                <a:solidFill>
+                  <a:srgbClr val="FFFFFF"/>
+                </a:solidFill>
+                <a:ea typeface="+mn-lt"/>
+                <a:cs typeface="+mn-lt"/>
+              </a:rPr>
+              <a:t> </a:t>
+            </a:r>
+            <a:r>
+              <a:rPr lang="en-US" sz="2000" b="1" dirty="0" err="1">
+                <a:solidFill>
+                  <a:srgbClr val="FFFFFF"/>
+                </a:solidFill>
+                <a:ea typeface="+mn-lt"/>
+                <a:cs typeface="+mn-lt"/>
+              </a:rPr>
+              <a:t>حكومية</a:t>
+            </a:r>
+            <a:r>
+              <a:rPr lang="en-US" sz="2000" b="1" dirty="0">
+                <a:solidFill>
+                  <a:srgbClr val="FFFFFF"/>
+                </a:solidFill>
+                <a:ea typeface="+mn-lt"/>
+                <a:cs typeface="+mn-lt"/>
+              </a:rPr>
+              <a:t> و </a:t>
+            </a:r>
+            <a:r>
+              <a:rPr lang="en-US" sz="2000" b="1" dirty="0" err="1">
+                <a:solidFill>
+                  <a:srgbClr val="FFFFFF"/>
+                </a:solidFill>
+                <a:ea typeface="+mn-lt"/>
+                <a:cs typeface="+mn-lt"/>
+              </a:rPr>
+              <a:t>اشهر</a:t>
+            </a:r>
+            <a:r>
+              <a:rPr lang="en-US" sz="2000" b="1" dirty="0">
+                <a:solidFill>
+                  <a:srgbClr val="FFFFFF"/>
+                </a:solidFill>
+                <a:ea typeface="+mn-lt"/>
+                <a:cs typeface="+mn-lt"/>
+              </a:rPr>
+              <a:t> </a:t>
+            </a:r>
+            <a:r>
+              <a:rPr lang="en-US" sz="2000" b="1" dirty="0" err="1">
+                <a:solidFill>
+                  <a:srgbClr val="FFFFFF"/>
+                </a:solidFill>
+                <a:ea typeface="+mn-lt"/>
+                <a:cs typeface="+mn-lt"/>
+              </a:rPr>
+              <a:t>الاصدرات</a:t>
+            </a:r>
+            <a:r>
+              <a:rPr lang="en-US" sz="2000" b="1" dirty="0">
+                <a:solidFill>
+                  <a:srgbClr val="FFFFFF"/>
+                </a:solidFill>
+                <a:ea typeface="+mn-lt"/>
+                <a:cs typeface="+mn-lt"/>
+              </a:rPr>
+              <a:t> </a:t>
+            </a:r>
+            <a:r>
+              <a:rPr lang="en-US" sz="2000" b="1" dirty="0" err="1">
+                <a:solidFill>
+                  <a:srgbClr val="FFFFFF"/>
+                </a:solidFill>
+                <a:ea typeface="+mn-lt"/>
+                <a:cs typeface="+mn-lt"/>
+              </a:rPr>
+              <a:t>لهذا</a:t>
+            </a:r>
+            <a:r>
+              <a:rPr lang="en-US" sz="2000" b="1" dirty="0">
+                <a:solidFill>
+                  <a:srgbClr val="FFFFFF"/>
+                </a:solidFill>
+                <a:ea typeface="+mn-lt"/>
+                <a:cs typeface="+mn-lt"/>
+              </a:rPr>
+              <a:t> </a:t>
+            </a:r>
+            <a:r>
+              <a:rPr lang="en-US" sz="2000" b="1" dirty="0" err="1">
+                <a:solidFill>
+                  <a:srgbClr val="FFFFFF"/>
+                </a:solidFill>
+                <a:ea typeface="+mn-lt"/>
+                <a:cs typeface="+mn-lt"/>
+              </a:rPr>
+              <a:t>النظام</a:t>
+            </a:r>
+            <a:r>
+              <a:rPr lang="en-US" sz="2000" b="1" dirty="0">
+                <a:solidFill>
+                  <a:srgbClr val="FFFFFF"/>
+                </a:solidFill>
+                <a:ea typeface="+mn-lt"/>
+                <a:cs typeface="+mn-lt"/>
+              </a:rPr>
+              <a:t> </a:t>
+            </a:r>
+            <a:r>
+              <a:rPr lang="en-US" sz="2000" b="1" dirty="0" err="1">
+                <a:solidFill>
+                  <a:srgbClr val="FFFFFF"/>
+                </a:solidFill>
+                <a:ea typeface="+mn-lt"/>
+                <a:cs typeface="+mn-lt"/>
+              </a:rPr>
+              <a:t>هو</a:t>
+            </a:r>
+            <a:r>
+              <a:rPr lang="en-US" sz="2000" b="1" dirty="0">
+                <a:solidFill>
+                  <a:srgbClr val="FFFFFF"/>
+                </a:solidFill>
+                <a:ea typeface="+mn-lt"/>
+                <a:cs typeface="+mn-lt"/>
+              </a:rPr>
+              <a:t> </a:t>
+            </a:r>
+            <a:r>
+              <a:rPr lang="en-US" sz="2000" b="1" dirty="0" err="1">
+                <a:solidFill>
+                  <a:srgbClr val="FFFFFF"/>
+                </a:solidFill>
+                <a:ea typeface="+mn-lt"/>
+                <a:cs typeface="+mn-lt"/>
+              </a:rPr>
+              <a:t>الذي</a:t>
+            </a:r>
+            <a:r>
+              <a:rPr lang="en-US" sz="2000" b="1" dirty="0">
+                <a:solidFill>
+                  <a:srgbClr val="FFFFFF"/>
+                </a:solidFill>
+                <a:ea typeface="+mn-lt"/>
+                <a:cs typeface="+mn-lt"/>
+              </a:rPr>
+              <a:t> </a:t>
+            </a:r>
+            <a:r>
+              <a:rPr lang="en-US" sz="2000" b="1" dirty="0" err="1">
+                <a:solidFill>
+                  <a:srgbClr val="FFFFFF"/>
+                </a:solidFill>
+                <a:ea typeface="+mn-lt"/>
+                <a:cs typeface="+mn-lt"/>
+              </a:rPr>
+              <a:t>تم</a:t>
+            </a:r>
+            <a:r>
+              <a:rPr lang="en-US" sz="2000" b="1" dirty="0">
+                <a:solidFill>
+                  <a:srgbClr val="FFFFFF"/>
+                </a:solidFill>
+                <a:ea typeface="+mn-lt"/>
+                <a:cs typeface="+mn-lt"/>
+              </a:rPr>
+              <a:t> </a:t>
+            </a:r>
+            <a:r>
+              <a:rPr lang="en-US" sz="2000" b="1" dirty="0" err="1">
+                <a:solidFill>
+                  <a:srgbClr val="FFFFFF"/>
+                </a:solidFill>
+                <a:ea typeface="+mn-lt"/>
+                <a:cs typeface="+mn-lt"/>
+              </a:rPr>
+              <a:t>اصداره</a:t>
+            </a:r>
+            <a:r>
+              <a:rPr lang="en-US" sz="2000" b="1" dirty="0">
+                <a:solidFill>
+                  <a:srgbClr val="FFFFFF"/>
+                </a:solidFill>
+                <a:ea typeface="+mn-lt"/>
+                <a:cs typeface="+mn-lt"/>
+              </a:rPr>
+              <a:t> </a:t>
+            </a:r>
+            <a:r>
+              <a:rPr lang="en-US" sz="2000" b="1" dirty="0" err="1">
+                <a:solidFill>
+                  <a:srgbClr val="FFFFFF"/>
+                </a:solidFill>
+                <a:ea typeface="+mn-lt"/>
+                <a:cs typeface="+mn-lt"/>
+              </a:rPr>
+              <a:t>في</a:t>
+            </a:r>
+            <a:r>
+              <a:rPr lang="en-US" sz="2000" b="1" dirty="0">
+                <a:solidFill>
+                  <a:srgbClr val="FFFFFF"/>
+                </a:solidFill>
+                <a:ea typeface="+mn-lt"/>
+                <a:cs typeface="+mn-lt"/>
+              </a:rPr>
+              <a:t> </a:t>
+            </a:r>
+            <a:r>
+              <a:rPr lang="en-US" sz="2000" b="1" dirty="0" err="1">
+                <a:solidFill>
+                  <a:srgbClr val="FFFFFF"/>
+                </a:solidFill>
+                <a:ea typeface="+mn-lt"/>
+                <a:cs typeface="+mn-lt"/>
+              </a:rPr>
+              <a:t>اكتوبر</a:t>
+            </a:r>
+            <a:r>
+              <a:rPr lang="en-US" sz="2000" b="1" dirty="0">
+                <a:solidFill>
+                  <a:srgbClr val="FFFFFF"/>
+                </a:solidFill>
+                <a:ea typeface="+mn-lt"/>
+                <a:cs typeface="+mn-lt"/>
+              </a:rPr>
+              <a:t> 2023 (v23.10)</a:t>
+            </a:r>
+            <a:endParaRPr lang="en-US" sz="2000" b="1"/>
+          </a:p>
+        </p:txBody>
+      </p:sp>
+      <p:sp>
+        <p:nvSpPr>
+          <p:cNvPr id="16" name="TextBox 15">
+            <a:extLst>
+              <a:ext uri="{FF2B5EF4-FFF2-40B4-BE49-F238E27FC236}">
+                <a16:creationId xmlns:a16="http://schemas.microsoft.com/office/drawing/2014/main" id="{2CD4B0F8-29BA-5C83-72AE-10A7BE409D4F}"/>
+              </a:ext>
+            </a:extLst>
+          </p:cNvPr>
+          <p:cNvSpPr txBox="1"/>
+          <p:nvPr/>
+        </p:nvSpPr>
+        <p:spPr>
+          <a:xfrm>
+            <a:off x="1409178" y="2828794"/>
+            <a:ext cx="9446712" cy="3218125"/>
+          </a:xfrm>
+          <a:prstGeom prst="rect">
+            <a:avLst/>
+          </a:prstGeom>
+          <a:noFill/>
+        </p:spPr>
+        <p:txBody>
+          <a:bodyPr rot="0" spcFirstLastPara="0" vertOverflow="overflow" horzOverflow="overflow" vert="horz" wrap="square" lIns="91440" tIns="45720" rIns="91440" bIns="45720" numCol="1" spcCol="0" rtlCol="0" fromWordArt="0" anchor="t" anchorCtr="0" forceAA="0" compatLnSpc="1">
+            <a:prstTxWarp prst="textNoShape">
+              <a:avLst/>
+            </a:prstTxWarp>
+            <a:spAutoFit/>
+          </a:bodyPr>
+          <a:lstStyle/>
+          <a:p>
+            <a:r>
+              <a:rPr lang="en-US" sz="2800" b="1" err="1">
+                <a:solidFill>
+                  <a:srgbClr val="FFFFFF"/>
+                </a:solidFill>
+              </a:rPr>
+              <a:t>المميزات</a:t>
+            </a:r>
+            <a:r>
+              <a:rPr lang="en-US" sz="2800" b="1" dirty="0">
+                <a:solidFill>
+                  <a:srgbClr val="FFFFFF"/>
+                </a:solidFill>
+              </a:rPr>
+              <a:t>:</a:t>
+            </a:r>
+          </a:p>
+          <a:p>
+            <a:r>
+              <a:rPr lang="en-US" sz="1200" dirty="0">
+                <a:solidFill>
+                  <a:srgbClr val="FFFFFF"/>
+                </a:solidFill>
+              </a:rPr>
+              <a:t>------------------------------</a:t>
+            </a:r>
+          </a:p>
+          <a:p>
+            <a:pPr>
+              <a:lnSpc>
+                <a:spcPct val="300000"/>
+              </a:lnSpc>
+            </a:pPr>
+            <a:r>
+              <a:rPr lang="en-US" sz="2000" err="1">
+                <a:solidFill>
+                  <a:srgbClr val="FFFFFF"/>
+                </a:solidFill>
+                <a:ea typeface="+mn-lt"/>
+                <a:cs typeface="+mn-lt"/>
+              </a:rPr>
+              <a:t>تستطيع</a:t>
+            </a:r>
+            <a:r>
+              <a:rPr lang="en-US" sz="2000" dirty="0">
+                <a:solidFill>
+                  <a:srgbClr val="FFFFFF"/>
+                </a:solidFill>
+                <a:ea typeface="+mn-lt"/>
+                <a:cs typeface="+mn-lt"/>
+              </a:rPr>
+              <a:t> </a:t>
+            </a:r>
+            <a:r>
+              <a:rPr lang="en-US" sz="2000" err="1">
+                <a:solidFill>
+                  <a:srgbClr val="FFFFFF"/>
+                </a:solidFill>
+                <a:ea typeface="+mn-lt"/>
+                <a:cs typeface="+mn-lt"/>
+              </a:rPr>
+              <a:t>ببساطة</a:t>
+            </a:r>
+            <a:r>
+              <a:rPr lang="en-US" sz="2000" dirty="0">
+                <a:solidFill>
+                  <a:srgbClr val="FFFFFF"/>
+                </a:solidFill>
+                <a:ea typeface="+mn-lt"/>
+                <a:cs typeface="+mn-lt"/>
+              </a:rPr>
+              <a:t> </a:t>
+            </a:r>
+            <a:r>
+              <a:rPr lang="en-US" sz="2000" err="1">
+                <a:solidFill>
+                  <a:srgbClr val="FFFFFF"/>
+                </a:solidFill>
+                <a:ea typeface="+mn-lt"/>
+                <a:cs typeface="+mn-lt"/>
+              </a:rPr>
+              <a:t>تحميل</a:t>
+            </a:r>
+            <a:r>
+              <a:rPr lang="en-US" sz="2000" dirty="0">
+                <a:solidFill>
+                  <a:srgbClr val="FFFFFF"/>
+                </a:solidFill>
+                <a:ea typeface="+mn-lt"/>
+                <a:cs typeface="+mn-lt"/>
+              </a:rPr>
+              <a:t> و </a:t>
+            </a:r>
+            <a:r>
+              <a:rPr lang="en-US" sz="2000" err="1">
+                <a:solidFill>
+                  <a:srgbClr val="FFFFFF"/>
+                </a:solidFill>
+                <a:ea typeface="+mn-lt"/>
+                <a:cs typeface="+mn-lt"/>
+              </a:rPr>
+              <a:t>ادارة</a:t>
+            </a:r>
+            <a:r>
+              <a:rPr lang="en-US" sz="2000" dirty="0">
+                <a:solidFill>
+                  <a:srgbClr val="FFFFFF"/>
+                </a:solidFill>
+                <a:ea typeface="+mn-lt"/>
+                <a:cs typeface="+mn-lt"/>
+              </a:rPr>
+              <a:t> و </a:t>
+            </a:r>
+            <a:r>
+              <a:rPr lang="en-US" sz="2000" err="1">
+                <a:solidFill>
+                  <a:srgbClr val="FFFFFF"/>
+                </a:solidFill>
+                <a:ea typeface="+mn-lt"/>
+                <a:cs typeface="+mn-lt"/>
+              </a:rPr>
+              <a:t>استعمال</a:t>
+            </a:r>
+            <a:r>
+              <a:rPr lang="en-US" sz="2000" dirty="0">
+                <a:solidFill>
+                  <a:srgbClr val="FFFFFF"/>
+                </a:solidFill>
+                <a:ea typeface="+mn-lt"/>
+                <a:cs typeface="+mn-lt"/>
+              </a:rPr>
+              <a:t> </a:t>
+            </a:r>
+            <a:r>
+              <a:rPr lang="en-US" sz="2000" err="1">
+                <a:solidFill>
+                  <a:srgbClr val="FFFFFF"/>
+                </a:solidFill>
+                <a:ea typeface="+mn-lt"/>
+                <a:cs typeface="+mn-lt"/>
+              </a:rPr>
+              <a:t>النطام</a:t>
+            </a:r>
+            <a:r>
+              <a:rPr lang="en-US" sz="2000" dirty="0">
+                <a:solidFill>
+                  <a:srgbClr val="FFFFFF"/>
+                </a:solidFill>
+                <a:ea typeface="+mn-lt"/>
+                <a:cs typeface="+mn-lt"/>
+              </a:rPr>
+              <a:t> </a:t>
+            </a:r>
+            <a:r>
+              <a:rPr lang="en-US" sz="2000" err="1">
+                <a:solidFill>
+                  <a:srgbClr val="FFFFFF"/>
+                </a:solidFill>
+                <a:ea typeface="+mn-lt"/>
+                <a:cs typeface="+mn-lt"/>
+              </a:rPr>
+              <a:t>لانه</a:t>
+            </a:r>
+            <a:r>
+              <a:rPr lang="en-US" sz="2000" dirty="0">
+                <a:solidFill>
+                  <a:srgbClr val="FFFFFF"/>
+                </a:solidFill>
+                <a:ea typeface="+mn-lt"/>
+                <a:cs typeface="+mn-lt"/>
+              </a:rPr>
+              <a:t> </a:t>
+            </a:r>
+            <a:r>
+              <a:rPr lang="en-US" sz="2000" err="1">
+                <a:solidFill>
+                  <a:srgbClr val="FFFFFF"/>
+                </a:solidFill>
+                <a:ea typeface="+mn-lt"/>
+                <a:cs typeface="+mn-lt"/>
+              </a:rPr>
+              <a:t>مشابة</a:t>
+            </a:r>
+            <a:r>
+              <a:rPr lang="en-US" sz="2000" dirty="0">
+                <a:solidFill>
+                  <a:srgbClr val="FFFFFF"/>
+                </a:solidFill>
+                <a:ea typeface="+mn-lt"/>
+                <a:cs typeface="+mn-lt"/>
+              </a:rPr>
+              <a:t> </a:t>
+            </a:r>
+            <a:r>
+              <a:rPr lang="en-US" sz="2000" err="1">
+                <a:solidFill>
+                  <a:srgbClr val="FFFFFF"/>
+                </a:solidFill>
+                <a:ea typeface="+mn-lt"/>
+                <a:cs typeface="+mn-lt"/>
+              </a:rPr>
+              <a:t>لنظام</a:t>
+            </a:r>
+            <a:r>
+              <a:rPr lang="en-US" sz="2000" dirty="0">
+                <a:solidFill>
+                  <a:srgbClr val="FFFFFF"/>
+                </a:solidFill>
+                <a:ea typeface="+mn-lt"/>
+                <a:cs typeface="+mn-lt"/>
+              </a:rPr>
+              <a:t> </a:t>
+            </a:r>
+            <a:r>
+              <a:rPr lang="en-US" sz="2000" err="1">
+                <a:solidFill>
+                  <a:srgbClr val="FFFFFF"/>
+                </a:solidFill>
+                <a:ea typeface="+mn-lt"/>
+                <a:cs typeface="+mn-lt"/>
+              </a:rPr>
+              <a:t>وندوز</a:t>
+            </a:r>
+            <a:br>
+              <a:rPr lang="en-US" sz="2800" dirty="0"/>
+            </a:br>
+            <a:r>
+              <a:rPr lang="en-US" err="1">
+                <a:solidFill>
+                  <a:schemeClr val="bg1"/>
+                </a:solidFill>
+                <a:ea typeface="+mn-lt"/>
+                <a:cs typeface="+mn-lt"/>
+              </a:rPr>
+              <a:t>يحتوي</a:t>
+            </a:r>
+            <a:r>
+              <a:rPr lang="en-US" dirty="0">
+                <a:solidFill>
+                  <a:schemeClr val="bg1"/>
+                </a:solidFill>
+                <a:ea typeface="+mn-lt"/>
+                <a:cs typeface="+mn-lt"/>
+              </a:rPr>
+              <a:t> </a:t>
+            </a:r>
+            <a:r>
+              <a:rPr lang="en-US" err="1">
+                <a:solidFill>
+                  <a:schemeClr val="bg1"/>
+                </a:solidFill>
+                <a:ea typeface="+mn-lt"/>
+                <a:cs typeface="+mn-lt"/>
+              </a:rPr>
+              <a:t>على</a:t>
+            </a:r>
+            <a:r>
+              <a:rPr lang="en-US" dirty="0">
+                <a:solidFill>
+                  <a:schemeClr val="bg1"/>
+                </a:solidFill>
+                <a:ea typeface="+mn-lt"/>
+                <a:cs typeface="+mn-lt"/>
+              </a:rPr>
+              <a:t> </a:t>
+            </a:r>
+            <a:r>
+              <a:rPr lang="en-US" err="1">
+                <a:solidFill>
+                  <a:schemeClr val="bg1"/>
+                </a:solidFill>
+                <a:ea typeface="+mn-lt"/>
+                <a:cs typeface="+mn-lt"/>
+              </a:rPr>
+              <a:t>برامج</a:t>
+            </a:r>
+            <a:r>
+              <a:rPr lang="en-US" dirty="0">
+                <a:solidFill>
+                  <a:schemeClr val="bg1"/>
+                </a:solidFill>
+                <a:ea typeface="+mn-lt"/>
+                <a:cs typeface="+mn-lt"/>
+              </a:rPr>
+              <a:t> </a:t>
+            </a:r>
+            <a:r>
+              <a:rPr lang="en-US" err="1">
+                <a:solidFill>
+                  <a:schemeClr val="bg1"/>
+                </a:solidFill>
+                <a:ea typeface="+mn-lt"/>
+                <a:cs typeface="+mn-lt"/>
+              </a:rPr>
+              <a:t>تهكير</a:t>
+            </a:r>
+            <a:r>
+              <a:rPr lang="en-US" dirty="0">
+                <a:solidFill>
+                  <a:schemeClr val="bg1"/>
+                </a:solidFill>
+                <a:ea typeface="+mn-lt"/>
+                <a:cs typeface="+mn-lt"/>
+              </a:rPr>
+              <a:t> </a:t>
+            </a:r>
+            <a:r>
+              <a:rPr lang="en-US" err="1">
+                <a:solidFill>
+                  <a:schemeClr val="bg1"/>
+                </a:solidFill>
+                <a:ea typeface="+mn-lt"/>
+                <a:cs typeface="+mn-lt"/>
+              </a:rPr>
+              <a:t>ولكن</a:t>
+            </a:r>
+            <a:r>
+              <a:rPr lang="en-US" dirty="0">
+                <a:solidFill>
+                  <a:schemeClr val="bg1"/>
+                </a:solidFill>
+                <a:ea typeface="+mn-lt"/>
+                <a:cs typeface="+mn-lt"/>
+              </a:rPr>
+              <a:t> </a:t>
+            </a:r>
+            <a:r>
+              <a:rPr lang="en-US" err="1">
+                <a:solidFill>
+                  <a:schemeClr val="bg1"/>
+                </a:solidFill>
+                <a:ea typeface="+mn-lt"/>
+                <a:cs typeface="+mn-lt"/>
+              </a:rPr>
+              <a:t>ليست</a:t>
+            </a:r>
+            <a:r>
+              <a:rPr lang="en-US" dirty="0">
+                <a:solidFill>
+                  <a:schemeClr val="bg1"/>
+                </a:solidFill>
+                <a:ea typeface="+mn-lt"/>
+                <a:cs typeface="+mn-lt"/>
+              </a:rPr>
+              <a:t> </a:t>
+            </a:r>
+            <a:r>
+              <a:rPr lang="en-US" err="1">
+                <a:solidFill>
+                  <a:schemeClr val="bg1"/>
+                </a:solidFill>
+                <a:ea typeface="+mn-lt"/>
+                <a:cs typeface="+mn-lt"/>
+              </a:rPr>
+              <a:t>بجودة</a:t>
+            </a:r>
+            <a:r>
+              <a:rPr lang="en-US" dirty="0">
+                <a:solidFill>
+                  <a:schemeClr val="bg1"/>
+                </a:solidFill>
+                <a:ea typeface="+mn-lt"/>
+                <a:cs typeface="+mn-lt"/>
+              </a:rPr>
+              <a:t> </a:t>
+            </a:r>
+            <a:r>
+              <a:rPr lang="en-US" err="1">
+                <a:solidFill>
+                  <a:schemeClr val="bg1"/>
+                </a:solidFill>
+                <a:ea typeface="+mn-lt"/>
+                <a:cs typeface="+mn-lt"/>
+              </a:rPr>
+              <a:t>نظام</a:t>
+            </a:r>
+            <a:r>
+              <a:rPr lang="en-US" dirty="0">
+                <a:solidFill>
+                  <a:schemeClr val="bg1"/>
+                </a:solidFill>
+                <a:ea typeface="+mn-lt"/>
+                <a:cs typeface="+mn-lt"/>
+              </a:rPr>
+              <a:t> </a:t>
+            </a:r>
+            <a:r>
+              <a:rPr lang="en-US" b="1" dirty="0">
+                <a:solidFill>
+                  <a:schemeClr val="bg1"/>
+                </a:solidFill>
+                <a:ea typeface="+mn-lt"/>
+                <a:cs typeface="+mn-lt"/>
+              </a:rPr>
+              <a:t>kali</a:t>
+            </a:r>
+          </a:p>
+          <a:p>
+            <a:pPr>
+              <a:lnSpc>
+                <a:spcPct val="300000"/>
+              </a:lnSpc>
+            </a:pPr>
+            <a:r>
+              <a:rPr lang="en-US" sz="2000" err="1">
+                <a:solidFill>
+                  <a:schemeClr val="bg1"/>
+                </a:solidFill>
+                <a:ea typeface="+mn-lt"/>
+                <a:cs typeface="+mn-lt"/>
+              </a:rPr>
+              <a:t>ياتي</a:t>
+            </a:r>
+            <a:r>
+              <a:rPr lang="en-US" sz="2000" dirty="0">
+                <a:solidFill>
+                  <a:schemeClr val="bg1"/>
+                </a:solidFill>
+                <a:ea typeface="+mn-lt"/>
+                <a:cs typeface="+mn-lt"/>
+              </a:rPr>
+              <a:t> </a:t>
+            </a:r>
+            <a:r>
+              <a:rPr lang="en-US" sz="2000" err="1">
+                <a:solidFill>
+                  <a:schemeClr val="bg1"/>
+                </a:solidFill>
+                <a:ea typeface="+mn-lt"/>
+                <a:cs typeface="+mn-lt"/>
+              </a:rPr>
+              <a:t>مع</a:t>
+            </a:r>
+            <a:r>
+              <a:rPr lang="en-US" sz="2000" dirty="0">
+                <a:solidFill>
+                  <a:schemeClr val="bg1"/>
+                </a:solidFill>
+                <a:ea typeface="+mn-lt"/>
+                <a:cs typeface="+mn-lt"/>
+              </a:rPr>
+              <a:t> </a:t>
+            </a:r>
+            <a:r>
+              <a:rPr lang="en-US" sz="2000" err="1">
+                <a:solidFill>
+                  <a:schemeClr val="bg1"/>
+                </a:solidFill>
+                <a:ea typeface="+mn-lt"/>
+                <a:cs typeface="+mn-lt"/>
+              </a:rPr>
+              <a:t>خاصية</a:t>
+            </a:r>
+            <a:r>
+              <a:rPr lang="en-US" sz="2000" dirty="0">
+                <a:solidFill>
+                  <a:schemeClr val="bg1"/>
+                </a:solidFill>
+                <a:ea typeface="+mn-lt"/>
+                <a:cs typeface="+mn-lt"/>
+              </a:rPr>
+              <a:t> </a:t>
+            </a:r>
+            <a:r>
+              <a:rPr lang="en-US" sz="2000" err="1">
+                <a:solidFill>
+                  <a:schemeClr val="bg1"/>
+                </a:solidFill>
+                <a:ea typeface="+mn-lt"/>
+                <a:cs typeface="+mn-lt"/>
+              </a:rPr>
+              <a:t>بحث</a:t>
+            </a:r>
+            <a:r>
+              <a:rPr lang="en-US" sz="2000" dirty="0">
+                <a:solidFill>
+                  <a:schemeClr val="bg1"/>
+                </a:solidFill>
+                <a:ea typeface="+mn-lt"/>
+                <a:cs typeface="+mn-lt"/>
+              </a:rPr>
+              <a:t> </a:t>
+            </a:r>
+            <a:r>
+              <a:rPr lang="en-US" sz="2000" err="1">
+                <a:solidFill>
+                  <a:schemeClr val="bg1"/>
+                </a:solidFill>
+                <a:ea typeface="+mn-lt"/>
+                <a:cs typeface="+mn-lt"/>
+              </a:rPr>
+              <a:t>ذكية</a:t>
+            </a:r>
+            <a:endParaRPr lang="en-US" sz="2000">
+              <a:solidFill>
+                <a:schemeClr val="bg1"/>
+              </a:solidFill>
+            </a:endParaRPr>
+          </a:p>
+        </p:txBody>
+      </p:sp>
+      <p:sp>
+        <p:nvSpPr>
+          <p:cNvPr id="17" name="TextBox 16">
+            <a:extLst>
+              <a:ext uri="{FF2B5EF4-FFF2-40B4-BE49-F238E27FC236}">
+                <a16:creationId xmlns:a16="http://schemas.microsoft.com/office/drawing/2014/main" id="{569F3CA1-5148-28F4-97F2-81EACA6545DF}"/>
+              </a:ext>
+            </a:extLst>
+          </p:cNvPr>
+          <p:cNvSpPr txBox="1"/>
+          <p:nvPr/>
+        </p:nvSpPr>
+        <p:spPr>
+          <a:xfrm>
+            <a:off x="187890" y="6179506"/>
+            <a:ext cx="981205" cy="646331"/>
+          </a:xfrm>
+          <a:prstGeom prst="rect">
+            <a:avLst/>
+          </a:prstGeom>
+          <a:noFill/>
+        </p:spPr>
+        <p:txBody>
+          <a:bodyPr rot="0" spcFirstLastPara="0" vertOverflow="overflow" horzOverflow="overflow" vert="horz" wrap="square" lIns="91440" tIns="45720" rIns="91440" bIns="45720" numCol="1" spcCol="0" rtlCol="0" fromWordArt="0" anchor="t" anchorCtr="0" forceAA="0" compatLnSpc="1">
+            <a:prstTxWarp prst="textNoShape">
+              <a:avLst/>
+            </a:prstTxWarp>
+            <a:spAutoFit/>
+          </a:bodyPr>
+          <a:lstStyle/>
+          <a:p>
+            <a:pPr algn="l"/>
+            <a:r>
+              <a:rPr lang="en-US" sz="3600" b="1" dirty="0">
+                <a:solidFill>
+                  <a:srgbClr val="FFFFFF"/>
+                </a:solidFill>
+              </a:rPr>
+              <a:t>4</a:t>
+            </a:r>
+          </a:p>
+        </p:txBody>
+      </p:sp>
+    </p:spTree>
+    <p:extLst>
+      <p:ext uri="{BB962C8B-B14F-4D97-AF65-F5344CB8AC3E}">
+        <p14:creationId xmlns:p14="http://schemas.microsoft.com/office/powerpoint/2010/main" val="2432873737"/>
+      </p:ext>
+    </p:extLst>
+  </p:cSld>
+  <p:clrMapOvr>
+    <a:masterClrMapping/>
+  </p:clrMapOvr>
+  <p:transition spd="slow">
+    <p:push dir="u"/>
+  </p:transition>
+</p:sld>
+</file>
+
+<file path=ppt/slides/slide7.xml><?xml version="1.0" encoding="utf-8"?>
+<p:sld xmlns:a="http://schemas.openxmlformats.org/drawingml/2006/main" xmlns:r="http://schemas.openxmlformats.org/officeDocument/2006/relationships" xmlns:p="http://schemas.openxmlformats.org/presentationml/2006/main">
+  <p:cSld>
+    <p:spTree>
+      <p:nvGrpSpPr>
+        <p:cNvPr id="1" name=""/>
+        <p:cNvGrpSpPr/>
+        <p:nvPr/>
+      </p:nvGrpSpPr>
+      <p:grpSpPr>
+        <a:xfrm>
+          <a:off x="0" y="0"/>
+          <a:ext cx="0" cy="0"/>
+          <a:chOff x="0" y="0"/>
+          <a:chExt cx="0" cy="0"/>
+        </a:xfrm>
+      </p:grpSpPr>
+      <p:sp>
+        <p:nvSpPr>
+          <p:cNvPr id="2" name="Footer Placeholder 1">
+            <a:extLst>
+              <a:ext uri="{FF2B5EF4-FFF2-40B4-BE49-F238E27FC236}">
+                <a16:creationId xmlns:a16="http://schemas.microsoft.com/office/drawing/2014/main" id="{5D13CB6E-38F8-023D-ADDE-7760A958604A}"/>
+              </a:ext>
+            </a:extLst>
+          </p:cNvPr>
+          <p:cNvSpPr>
+            <a:spLocks noGrp="1"/>
+          </p:cNvSpPr>
+          <p:nvPr>
+            <p:ph type="ftr" sz="quarter" idx="11"/>
+          </p:nvPr>
+        </p:nvSpPr>
+        <p:spPr/>
+        <p:txBody>
+          <a:bodyPr/>
+          <a:lstStyle/>
+          <a:p>
+            <a:r>
+              <a:rPr lang="en-US"/>
+              <a:t>1</a:t>
+            </a:r>
+          </a:p>
+        </p:txBody>
+      </p:sp>
+      <p:sp>
+        <p:nvSpPr>
+          <p:cNvPr id="3" name="Slide Number Placeholder 2">
+            <a:extLst>
+              <a:ext uri="{FF2B5EF4-FFF2-40B4-BE49-F238E27FC236}">
+                <a16:creationId xmlns:a16="http://schemas.microsoft.com/office/drawing/2014/main" id="{4C808ABF-C2D1-79A0-19BB-B4E74AC05320}"/>
+              </a:ext>
+            </a:extLst>
+          </p:cNvPr>
+          <p:cNvSpPr>
+            <a:spLocks noGrp="1"/>
+          </p:cNvSpPr>
+          <p:nvPr>
+            <p:ph type="sldNum" sz="quarter" idx="12"/>
+          </p:nvPr>
+        </p:nvSpPr>
+        <p:spPr/>
+        <p:txBody>
+          <a:bodyPr/>
+          <a:lstStyle/>
+          <a:p>
+            <a:fld id="{5EEB83C2-341F-4C28-A243-1C56DDDA54D3}" type="slidenum">
+              <a:rPr lang="en-US" smtClean="0"/>
+              <a:t>7</a:t>
+            </a:fld>
+            <a:endParaRPr lang="en-US"/>
+          </a:p>
+        </p:txBody>
+      </p:sp>
+      <p:pic>
+        <p:nvPicPr>
+          <p:cNvPr id="4" name="Picture 3" descr="Microsoft's Windows 10 Development Process Changes | ITPro Today: IT News,  How-Tos, Trends, Case Studies, Career Tips, More">
+            <a:extLst>
+              <a:ext uri="{FF2B5EF4-FFF2-40B4-BE49-F238E27FC236}">
+                <a16:creationId xmlns:a16="http://schemas.microsoft.com/office/drawing/2014/main" id="{E498EDF2-DF51-DC0A-6874-86CFB5024732}"/>
+              </a:ext>
+            </a:extLst>
+          </p:cNvPr>
+          <p:cNvPicPr>
+            <a:picLocks noChangeAspect="1"/>
+          </p:cNvPicPr>
+          <p:nvPr/>
+        </p:nvPicPr>
+        <p:blipFill>
+          <a:blip r:embed="rId2"/>
+          <a:stretch>
+            <a:fillRect/>
+          </a:stretch>
+        </p:blipFill>
+        <p:spPr>
+          <a:xfrm>
+            <a:off x="-4174" y="2508"/>
+            <a:ext cx="12200348" cy="6852983"/>
+          </a:xfrm>
+          <a:prstGeom prst="rect">
+            <a:avLst/>
+          </a:prstGeom>
+        </p:spPr>
+      </p:pic>
+      <p:sp>
+        <p:nvSpPr>
+          <p:cNvPr id="6" name="Rectangle 5">
+            <a:extLst>
+              <a:ext uri="{FF2B5EF4-FFF2-40B4-BE49-F238E27FC236}">
+                <a16:creationId xmlns:a16="http://schemas.microsoft.com/office/drawing/2014/main" id="{6C857B21-E050-832D-9710-EE31EB31336D}"/>
+              </a:ext>
+            </a:extLst>
+          </p:cNvPr>
+          <p:cNvSpPr/>
+          <p:nvPr/>
+        </p:nvSpPr>
+        <p:spPr>
+          <a:xfrm>
+            <a:off x="0" y="0"/>
+            <a:ext cx="12191999" cy="6857999"/>
+          </a:xfrm>
+          <a:prstGeom prst="rect">
+            <a:avLst/>
+          </a:prstGeom>
+          <a:solidFill>
+            <a:srgbClr val="000000">
+              <a:alpha val="60000"/>
+            </a:srgbClr>
+          </a:solidFill>
+        </p:spPr>
+        <p:style>
+          <a:lnRef idx="2">
+            <a:schemeClr val="accent1">
+              <a:shade val="15000"/>
+            </a:schemeClr>
+          </a:lnRef>
+          <a:fillRef idx="1">
+            <a:schemeClr val="accent1"/>
+          </a:fillRef>
+          <a:effectRef idx="0">
+            <a:schemeClr val="accent1"/>
+          </a:effectRef>
+          <a:fontRef idx="minor">
+            <a:schemeClr val="lt1"/>
+          </a:fontRef>
+        </p:style>
+        <p:txBody>
+          <a:bodyPr rtlCol="0" anchor="ctr"/>
+          <a:lstStyle/>
+          <a:p>
+            <a:pPr algn="ctr"/>
+            <a:endParaRPr lang="en-US"/>
+          </a:p>
+        </p:txBody>
+      </p:sp>
+      <p:sp>
+        <p:nvSpPr>
+          <p:cNvPr id="7" name="TextBox 6">
+            <a:extLst>
+              <a:ext uri="{FF2B5EF4-FFF2-40B4-BE49-F238E27FC236}">
+                <a16:creationId xmlns:a16="http://schemas.microsoft.com/office/drawing/2014/main" id="{DCFC1410-4327-579B-5EA5-732AD4CAD05B}"/>
+              </a:ext>
+            </a:extLst>
+          </p:cNvPr>
+          <p:cNvSpPr txBox="1"/>
+          <p:nvPr/>
+        </p:nvSpPr>
+        <p:spPr>
+          <a:xfrm>
+            <a:off x="574110" y="407096"/>
+            <a:ext cx="11106410" cy="646331"/>
+          </a:xfrm>
+          <a:prstGeom prst="rect">
+            <a:avLst/>
+          </a:prstGeom>
+          <a:noFill/>
+        </p:spPr>
+        <p:txBody>
+          <a:bodyPr rot="0" spcFirstLastPara="0" vertOverflow="overflow" horzOverflow="overflow" vert="horz" wrap="square" lIns="91440" tIns="45720" rIns="91440" bIns="45720" numCol="1" spcCol="0" rtlCol="0" fromWordArt="0" anchor="t" anchorCtr="0" forceAA="0" compatLnSpc="1">
+            <a:prstTxWarp prst="textNoShape">
+              <a:avLst/>
+            </a:prstTxWarp>
+            <a:spAutoFit/>
+          </a:bodyPr>
+          <a:lstStyle/>
+          <a:p>
+            <a:pPr algn="ctr"/>
+            <a:r>
+              <a:rPr lang="en-US" sz="3600" b="1" dirty="0">
+                <a:solidFill>
+                  <a:schemeClr val="bg1"/>
+                </a:solidFill>
+              </a:rPr>
+              <a:t>Windows 10</a:t>
+            </a:r>
+          </a:p>
+        </p:txBody>
+      </p:sp>
+      <p:sp>
+        <p:nvSpPr>
+          <p:cNvPr id="8" name="TextBox 7">
+            <a:extLst>
+              <a:ext uri="{FF2B5EF4-FFF2-40B4-BE49-F238E27FC236}">
+                <a16:creationId xmlns:a16="http://schemas.microsoft.com/office/drawing/2014/main" id="{F2327216-0233-ED72-E348-90A766A266B2}"/>
+              </a:ext>
+            </a:extLst>
+          </p:cNvPr>
+          <p:cNvSpPr txBox="1"/>
+          <p:nvPr/>
+        </p:nvSpPr>
+        <p:spPr>
+          <a:xfrm>
+            <a:off x="647178" y="1283917"/>
+            <a:ext cx="11095972" cy="1569660"/>
+          </a:xfrm>
+          <a:prstGeom prst="rect">
+            <a:avLst/>
+          </a:prstGeom>
+          <a:noFill/>
+        </p:spPr>
+        <p:txBody>
+          <a:bodyPr rot="0" spcFirstLastPara="0" vertOverflow="overflow" horzOverflow="overflow" vert="horz" wrap="square" lIns="91440" tIns="45720" rIns="91440" bIns="45720" numCol="1" spcCol="0" rtlCol="0" fromWordArt="0" anchor="t" anchorCtr="0" forceAA="0" compatLnSpc="1">
+            <a:prstTxWarp prst="textNoShape">
+              <a:avLst/>
+            </a:prstTxWarp>
+            <a:spAutoFit/>
+          </a:bodyPr>
+          <a:lstStyle/>
+          <a:p>
+            <a:r>
+              <a:rPr lang="ar-AE" sz="2400" dirty="0">
+                <a:solidFill>
+                  <a:srgbClr val="FFFFFF"/>
+                </a:solidFill>
+                <a:latin typeface="Roboto"/>
+                <a:ea typeface="Roboto"/>
+                <a:cs typeface="Roboto"/>
+              </a:rPr>
+              <a:t>من </a:t>
+            </a:r>
+            <a:r>
+              <a:rPr lang="ar-AE" sz="2400" dirty="0" err="1">
+                <a:solidFill>
+                  <a:srgbClr val="FFFFFF"/>
+                </a:solidFill>
+                <a:latin typeface="Roboto"/>
+                <a:ea typeface="Roboto"/>
+                <a:cs typeface="Roboto"/>
+              </a:rPr>
+              <a:t>الأصدارات</a:t>
+            </a:r>
+            <a:r>
+              <a:rPr lang="ar-AE" sz="2400" dirty="0">
+                <a:solidFill>
+                  <a:srgbClr val="FFFFFF"/>
+                </a:solidFill>
+                <a:latin typeface="Roboto"/>
+                <a:ea typeface="Roboto"/>
+                <a:cs typeface="Roboto"/>
+              </a:rPr>
+              <a:t> الرائدة من مايكروسوفت من سلسة نظام(</a:t>
+            </a:r>
+            <a:r>
+              <a:rPr lang="en-US" sz="2400" dirty="0">
+                <a:solidFill>
+                  <a:srgbClr val="FFFFFF"/>
+                </a:solidFill>
+                <a:latin typeface="Roboto"/>
+                <a:ea typeface="Roboto"/>
+                <a:cs typeface="Roboto"/>
+              </a:rPr>
+              <a:t>windows)</a:t>
+            </a:r>
+            <a:r>
+              <a:rPr lang="ar-AE" sz="2400" dirty="0">
+                <a:solidFill>
+                  <a:srgbClr val="FFFFFF"/>
+                </a:solidFill>
+                <a:latin typeface="Roboto"/>
+                <a:ea typeface="Roboto"/>
+                <a:cs typeface="Roboto"/>
+              </a:rPr>
+              <a:t>و اكثرها شهرا. تم اصدار نسخة مختلفة من هذا النظام عبر السنين من(</a:t>
+            </a:r>
+            <a:r>
+              <a:rPr lang="en-US" sz="2400" dirty="0">
+                <a:solidFill>
+                  <a:srgbClr val="FFFFFF"/>
+                </a:solidFill>
+                <a:latin typeface="Roboto"/>
+                <a:ea typeface="Roboto"/>
+                <a:cs typeface="Roboto"/>
+              </a:rPr>
+              <a:t>windows 8) </a:t>
+            </a:r>
+            <a:r>
+              <a:rPr lang="ar-AE" sz="2400" dirty="0">
+                <a:solidFill>
+                  <a:srgbClr val="FFFFFF"/>
+                </a:solidFill>
+                <a:latin typeface="Roboto"/>
+                <a:ea typeface="Roboto"/>
+                <a:cs typeface="Roboto"/>
+              </a:rPr>
+              <a:t>تم اصداره في عام 2012 (</a:t>
+            </a:r>
+            <a:r>
+              <a:rPr lang="en-US" sz="2400" dirty="0">
+                <a:solidFill>
+                  <a:srgbClr val="FFFFFF"/>
+                </a:solidFill>
+                <a:latin typeface="Roboto"/>
+                <a:ea typeface="Roboto"/>
+                <a:cs typeface="Roboto"/>
+              </a:rPr>
+              <a:t>windows 7) </a:t>
+            </a:r>
+            <a:r>
+              <a:rPr lang="ar-AE" sz="2400" dirty="0">
+                <a:solidFill>
+                  <a:srgbClr val="FFFFFF"/>
+                </a:solidFill>
+                <a:latin typeface="Roboto"/>
+                <a:ea typeface="Roboto"/>
+                <a:cs typeface="Roboto"/>
+              </a:rPr>
+              <a:t>تم اصدارة في عام 2009 (</a:t>
+            </a:r>
+            <a:r>
+              <a:rPr lang="en-US" sz="2400" dirty="0">
+                <a:solidFill>
+                  <a:srgbClr val="FFFFFF"/>
+                </a:solidFill>
+                <a:latin typeface="Roboto"/>
+                <a:ea typeface="Roboto"/>
+                <a:cs typeface="Roboto"/>
+              </a:rPr>
+              <a:t>windows </a:t>
+            </a:r>
+            <a:r>
+              <a:rPr lang="en-US" sz="2400" dirty="0" err="1">
+                <a:solidFill>
+                  <a:srgbClr val="FFFFFF"/>
+                </a:solidFill>
+                <a:latin typeface="Roboto"/>
+                <a:ea typeface="Roboto"/>
+                <a:cs typeface="Roboto"/>
+              </a:rPr>
+              <a:t>xp</a:t>
+            </a:r>
+            <a:r>
+              <a:rPr lang="en-US" sz="2400" dirty="0">
+                <a:solidFill>
+                  <a:srgbClr val="FFFFFF"/>
+                </a:solidFill>
+                <a:latin typeface="Roboto"/>
+                <a:ea typeface="Roboto"/>
+                <a:cs typeface="Roboto"/>
+              </a:rPr>
+              <a:t>) </a:t>
+            </a:r>
+            <a:r>
+              <a:rPr lang="ar-AE" sz="2400" dirty="0">
+                <a:solidFill>
+                  <a:srgbClr val="FFFFFF"/>
+                </a:solidFill>
+                <a:latin typeface="Roboto"/>
+                <a:ea typeface="Roboto"/>
+                <a:cs typeface="Roboto"/>
+              </a:rPr>
+              <a:t>تم اصداره في عام 2001. بينما كانت الاصدارات القديمة تعمل فقط على </a:t>
+            </a:r>
+            <a:r>
+              <a:rPr lang="ar-AE" sz="2400" dirty="0" err="1">
+                <a:solidFill>
+                  <a:srgbClr val="FFFFFF"/>
+                </a:solidFill>
+                <a:latin typeface="Roboto"/>
+                <a:ea typeface="Roboto"/>
+                <a:cs typeface="Roboto"/>
+              </a:rPr>
+              <a:t>الابتوب</a:t>
+            </a:r>
+            <a:r>
+              <a:rPr lang="ar-AE" sz="2400" dirty="0">
+                <a:solidFill>
+                  <a:srgbClr val="FFFFFF"/>
+                </a:solidFill>
+                <a:latin typeface="Roboto"/>
+                <a:ea typeface="Roboto"/>
+                <a:cs typeface="Roboto"/>
+              </a:rPr>
+              <a:t> و الكمبيوتر المكتبي تم تصميم هذا الاصدار ليعمل جيدا على( </a:t>
+            </a:r>
+            <a:r>
+              <a:rPr lang="en-US" sz="2400" dirty="0">
+                <a:solidFill>
+                  <a:srgbClr val="FFFFFF"/>
+                </a:solidFill>
+                <a:latin typeface="Roboto"/>
+                <a:ea typeface="Roboto"/>
+                <a:cs typeface="Roboto"/>
+              </a:rPr>
+              <a:t>tablets)</a:t>
+            </a:r>
+            <a:endParaRPr lang="en-US" sz="2400" dirty="0">
+              <a:solidFill>
+                <a:srgbClr val="FFFFFF"/>
+              </a:solidFill>
+            </a:endParaRPr>
+          </a:p>
+        </p:txBody>
+      </p:sp>
+      <p:sp>
+        <p:nvSpPr>
+          <p:cNvPr id="9" name="TextBox 8">
+            <a:extLst>
+              <a:ext uri="{FF2B5EF4-FFF2-40B4-BE49-F238E27FC236}">
+                <a16:creationId xmlns:a16="http://schemas.microsoft.com/office/drawing/2014/main" id="{47EA0D3C-2FE0-C5AB-B4DF-14660FBBCD71}"/>
+              </a:ext>
+            </a:extLst>
+          </p:cNvPr>
+          <p:cNvSpPr txBox="1"/>
+          <p:nvPr/>
+        </p:nvSpPr>
+        <p:spPr>
+          <a:xfrm>
+            <a:off x="427971" y="3329835"/>
+            <a:ext cx="11409123" cy="2792496"/>
+          </a:xfrm>
+          <a:prstGeom prst="rect">
+            <a:avLst/>
+          </a:prstGeom>
+          <a:noFill/>
+        </p:spPr>
+        <p:txBody>
+          <a:bodyPr rot="0" spcFirstLastPara="0" vertOverflow="overflow" horzOverflow="overflow" vert="horz" wrap="square" lIns="91440" tIns="45720" rIns="91440" bIns="45720" numCol="1" spcCol="0" rtlCol="0" fromWordArt="0" anchor="t" anchorCtr="0" forceAA="0" compatLnSpc="1">
+            <a:prstTxWarp prst="textNoShape">
+              <a:avLst/>
+            </a:prstTxWarp>
+            <a:spAutoFit/>
+          </a:bodyPr>
+          <a:lstStyle/>
+          <a:p>
+            <a:r>
+              <a:rPr lang="en-US" sz="2400" b="1" dirty="0" err="1">
+                <a:solidFill>
+                  <a:schemeClr val="bg1"/>
+                </a:solidFill>
+              </a:rPr>
+              <a:t>المميزات</a:t>
+            </a:r>
+            <a:r>
+              <a:rPr lang="en-US" sz="2400" b="1" dirty="0">
+                <a:solidFill>
+                  <a:schemeClr val="bg1"/>
+                </a:solidFill>
+              </a:rPr>
+              <a:t>:</a:t>
+            </a:r>
+          </a:p>
+          <a:p>
+            <a:endParaRPr lang="en-US" sz="2400" b="1" dirty="0">
+              <a:solidFill>
+                <a:schemeClr val="bg1"/>
+              </a:solidFill>
+            </a:endParaRPr>
+          </a:p>
+          <a:p>
+            <a:pPr>
+              <a:lnSpc>
+                <a:spcPct val="250000"/>
+              </a:lnSpc>
+            </a:pPr>
+            <a:r>
+              <a:rPr lang="en-US" b="1" err="1">
+                <a:solidFill>
+                  <a:schemeClr val="bg1"/>
+                </a:solidFill>
+                <a:ea typeface="+mn-lt"/>
+                <a:cs typeface="+mn-lt"/>
+              </a:rPr>
+              <a:t>واجهة</a:t>
+            </a:r>
+            <a:r>
+              <a:rPr lang="en-US" b="1" dirty="0">
+                <a:solidFill>
+                  <a:schemeClr val="bg1"/>
+                </a:solidFill>
+                <a:ea typeface="+mn-lt"/>
+                <a:cs typeface="+mn-lt"/>
+              </a:rPr>
+              <a:t> </a:t>
+            </a:r>
+            <a:r>
+              <a:rPr lang="en-US" b="1" err="1">
+                <a:solidFill>
+                  <a:schemeClr val="bg1"/>
+                </a:solidFill>
+                <a:ea typeface="+mn-lt"/>
+                <a:cs typeface="+mn-lt"/>
+              </a:rPr>
+              <a:t>استخدام</a:t>
+            </a:r>
+            <a:r>
+              <a:rPr lang="en-US" b="1" dirty="0">
+                <a:solidFill>
+                  <a:schemeClr val="bg1"/>
+                </a:solidFill>
+                <a:ea typeface="+mn-lt"/>
+                <a:cs typeface="+mn-lt"/>
+              </a:rPr>
+              <a:t> </a:t>
+            </a:r>
+            <a:r>
+              <a:rPr lang="en-US" b="1" err="1">
+                <a:solidFill>
+                  <a:schemeClr val="bg1"/>
+                </a:solidFill>
+                <a:ea typeface="+mn-lt"/>
+                <a:cs typeface="+mn-lt"/>
+              </a:rPr>
+              <a:t>تعتبر</a:t>
+            </a:r>
+            <a:r>
+              <a:rPr lang="en-US" b="1" dirty="0">
+                <a:solidFill>
+                  <a:schemeClr val="bg1"/>
+                </a:solidFill>
+                <a:ea typeface="+mn-lt"/>
+                <a:cs typeface="+mn-lt"/>
+              </a:rPr>
+              <a:t> </a:t>
+            </a:r>
+            <a:r>
+              <a:rPr lang="en-US" b="1" err="1">
+                <a:solidFill>
+                  <a:schemeClr val="bg1"/>
+                </a:solidFill>
+                <a:ea typeface="+mn-lt"/>
+                <a:cs typeface="+mn-lt"/>
+              </a:rPr>
+              <a:t>الاسهل</a:t>
+            </a:r>
+            <a:r>
+              <a:rPr lang="en-US" b="1" dirty="0">
+                <a:solidFill>
+                  <a:schemeClr val="bg1"/>
+                </a:solidFill>
+                <a:ea typeface="+mn-lt"/>
+                <a:cs typeface="+mn-lt"/>
+              </a:rPr>
+              <a:t> </a:t>
+            </a:r>
+            <a:r>
+              <a:rPr lang="en-US" b="1" err="1">
+                <a:solidFill>
+                  <a:schemeClr val="bg1"/>
+                </a:solidFill>
+                <a:ea typeface="+mn-lt"/>
+                <a:cs typeface="+mn-lt"/>
+              </a:rPr>
+              <a:t>بين</a:t>
+            </a:r>
+            <a:r>
+              <a:rPr lang="en-US" b="1" dirty="0">
+                <a:solidFill>
+                  <a:schemeClr val="bg1"/>
+                </a:solidFill>
+                <a:ea typeface="+mn-lt"/>
+                <a:cs typeface="+mn-lt"/>
+              </a:rPr>
+              <a:t> </a:t>
+            </a:r>
+            <a:r>
+              <a:rPr lang="en-US" b="1" err="1">
+                <a:solidFill>
+                  <a:schemeClr val="bg1"/>
+                </a:solidFill>
+                <a:ea typeface="+mn-lt"/>
+                <a:cs typeface="+mn-lt"/>
+              </a:rPr>
+              <a:t>جميع</a:t>
+            </a:r>
+            <a:r>
+              <a:rPr lang="en-US" b="1" dirty="0">
+                <a:solidFill>
+                  <a:schemeClr val="bg1"/>
+                </a:solidFill>
+                <a:ea typeface="+mn-lt"/>
+                <a:cs typeface="+mn-lt"/>
+              </a:rPr>
+              <a:t> </a:t>
+            </a:r>
+            <a:r>
+              <a:rPr lang="en-US" b="1" err="1">
+                <a:solidFill>
+                  <a:schemeClr val="bg1"/>
+                </a:solidFill>
+                <a:ea typeface="+mn-lt"/>
+                <a:cs typeface="+mn-lt"/>
+              </a:rPr>
+              <a:t>الانظمة</a:t>
+            </a:r>
+            <a:endParaRPr lang="en-US" b="1" dirty="0">
+              <a:solidFill>
+                <a:schemeClr val="bg1"/>
+              </a:solidFill>
+              <a:ea typeface="+mn-lt"/>
+              <a:cs typeface="+mn-lt"/>
+            </a:endParaRPr>
+          </a:p>
+          <a:p>
+            <a:pPr>
+              <a:lnSpc>
+                <a:spcPct val="250000"/>
+              </a:lnSpc>
+            </a:pPr>
+            <a:r>
+              <a:rPr lang="en-US" b="1" err="1">
+                <a:solidFill>
+                  <a:schemeClr val="bg1"/>
+                </a:solidFill>
+                <a:ea typeface="+mn-lt"/>
+                <a:cs typeface="+mn-lt"/>
+              </a:rPr>
+              <a:t>يحتوي</a:t>
+            </a:r>
+            <a:r>
+              <a:rPr lang="en-US" b="1" dirty="0">
+                <a:solidFill>
+                  <a:schemeClr val="bg1"/>
+                </a:solidFill>
+                <a:ea typeface="+mn-lt"/>
+                <a:cs typeface="+mn-lt"/>
+              </a:rPr>
+              <a:t> </a:t>
+            </a:r>
+            <a:r>
+              <a:rPr lang="en-US" b="1" err="1">
+                <a:solidFill>
+                  <a:schemeClr val="bg1"/>
+                </a:solidFill>
+                <a:ea typeface="+mn-lt"/>
+                <a:cs typeface="+mn-lt"/>
+              </a:rPr>
+              <a:t>على</a:t>
+            </a:r>
+            <a:r>
+              <a:rPr lang="en-US" b="1" dirty="0">
+                <a:solidFill>
+                  <a:schemeClr val="bg1"/>
+                </a:solidFill>
+                <a:ea typeface="+mn-lt"/>
+                <a:cs typeface="+mn-lt"/>
+              </a:rPr>
+              <a:t> </a:t>
+            </a:r>
+            <a:r>
+              <a:rPr lang="en-US" b="1" err="1">
+                <a:solidFill>
+                  <a:schemeClr val="bg1"/>
+                </a:solidFill>
+                <a:ea typeface="+mn-lt"/>
+                <a:cs typeface="+mn-lt"/>
+              </a:rPr>
+              <a:t>متصفح</a:t>
+            </a:r>
+            <a:r>
+              <a:rPr lang="en-US" b="1" dirty="0">
+                <a:solidFill>
+                  <a:schemeClr val="bg1"/>
+                </a:solidFill>
+                <a:ea typeface="+mn-lt"/>
+                <a:cs typeface="+mn-lt"/>
+              </a:rPr>
+              <a:t> </a:t>
+            </a:r>
+            <a:r>
+              <a:rPr lang="en-US" b="1" err="1">
+                <a:solidFill>
+                  <a:schemeClr val="bg1"/>
+                </a:solidFill>
+                <a:ea typeface="+mn-lt"/>
+                <a:cs typeface="+mn-lt"/>
+              </a:rPr>
+              <a:t>مايكروسوفت</a:t>
+            </a:r>
+            <a:r>
+              <a:rPr lang="en-US" b="1" dirty="0">
+                <a:solidFill>
+                  <a:schemeClr val="bg1"/>
+                </a:solidFill>
+                <a:ea typeface="+mn-lt"/>
+                <a:cs typeface="+mn-lt"/>
+              </a:rPr>
+              <a:t> </a:t>
+            </a:r>
+            <a:r>
+              <a:rPr lang="en-US" b="1" err="1">
+                <a:solidFill>
+                  <a:schemeClr val="bg1"/>
+                </a:solidFill>
+                <a:ea typeface="+mn-lt"/>
+                <a:cs typeface="+mn-lt"/>
+              </a:rPr>
+              <a:t>ايدج</a:t>
+            </a:r>
+            <a:br>
+              <a:rPr lang="en-US" sz="2800" b="1" dirty="0"/>
+            </a:br>
+            <a:r>
+              <a:rPr lang="en-US" b="1" err="1">
+                <a:solidFill>
+                  <a:schemeClr val="bg1"/>
+                </a:solidFill>
+                <a:ea typeface="+mn-lt"/>
+                <a:cs typeface="+mn-lt"/>
+              </a:rPr>
+              <a:t>يحتوي</a:t>
+            </a:r>
+            <a:r>
+              <a:rPr lang="en-US" b="1" dirty="0">
+                <a:solidFill>
+                  <a:schemeClr val="bg1"/>
+                </a:solidFill>
+                <a:ea typeface="+mn-lt"/>
+                <a:cs typeface="+mn-lt"/>
+              </a:rPr>
+              <a:t> </a:t>
+            </a:r>
+            <a:r>
+              <a:rPr lang="en-US" b="1" err="1">
+                <a:solidFill>
+                  <a:schemeClr val="bg1"/>
+                </a:solidFill>
+                <a:ea typeface="+mn-lt"/>
+                <a:cs typeface="+mn-lt"/>
+              </a:rPr>
+              <a:t>على</a:t>
+            </a:r>
+            <a:r>
+              <a:rPr lang="en-US" b="1" dirty="0">
+                <a:solidFill>
+                  <a:schemeClr val="bg1"/>
+                </a:solidFill>
+                <a:ea typeface="+mn-lt"/>
+                <a:cs typeface="+mn-lt"/>
+              </a:rPr>
+              <a:t> </a:t>
+            </a:r>
+            <a:r>
+              <a:rPr lang="en-US" b="1" err="1">
+                <a:solidFill>
+                  <a:schemeClr val="bg1"/>
+                </a:solidFill>
+                <a:ea typeface="+mn-lt"/>
+                <a:cs typeface="+mn-lt"/>
+              </a:rPr>
+              <a:t>cortana</a:t>
+            </a:r>
+            <a:r>
+              <a:rPr lang="en-US" b="1" dirty="0">
+                <a:solidFill>
+                  <a:schemeClr val="bg1"/>
+                </a:solidFill>
+                <a:ea typeface="+mn-lt"/>
+                <a:cs typeface="+mn-lt"/>
+              </a:rPr>
+              <a:t> </a:t>
+            </a:r>
+            <a:r>
+              <a:rPr lang="en-US" b="1" err="1">
+                <a:solidFill>
+                  <a:schemeClr val="bg1"/>
+                </a:solidFill>
+                <a:ea typeface="+mn-lt"/>
+                <a:cs typeface="+mn-lt"/>
+              </a:rPr>
+              <a:t>والتي</a:t>
+            </a:r>
+            <a:r>
+              <a:rPr lang="en-US" b="1" dirty="0">
+                <a:solidFill>
+                  <a:schemeClr val="bg1"/>
+                </a:solidFill>
+                <a:ea typeface="+mn-lt"/>
+                <a:cs typeface="+mn-lt"/>
+              </a:rPr>
+              <a:t> </a:t>
+            </a:r>
+            <a:r>
+              <a:rPr lang="en-US" b="1" err="1">
+                <a:solidFill>
+                  <a:schemeClr val="bg1"/>
+                </a:solidFill>
+                <a:ea typeface="+mn-lt"/>
+                <a:cs typeface="+mn-lt"/>
+              </a:rPr>
+              <a:t>تشبه</a:t>
+            </a:r>
+            <a:r>
+              <a:rPr lang="en-US" b="1" dirty="0">
+                <a:solidFill>
+                  <a:schemeClr val="bg1"/>
+                </a:solidFill>
+                <a:ea typeface="+mn-lt"/>
+                <a:cs typeface="+mn-lt"/>
+              </a:rPr>
+              <a:t> </a:t>
+            </a:r>
+            <a:r>
+              <a:rPr lang="en-US" b="1" err="1">
+                <a:solidFill>
+                  <a:schemeClr val="bg1"/>
+                </a:solidFill>
+                <a:ea typeface="+mn-lt"/>
+                <a:cs typeface="+mn-lt"/>
+              </a:rPr>
+              <a:t>سيري</a:t>
+            </a:r>
+            <a:r>
+              <a:rPr lang="en-US" b="1" dirty="0">
+                <a:solidFill>
+                  <a:schemeClr val="bg1"/>
+                </a:solidFill>
+                <a:ea typeface="+mn-lt"/>
+                <a:cs typeface="+mn-lt"/>
+              </a:rPr>
+              <a:t> </a:t>
+            </a:r>
+            <a:r>
+              <a:rPr lang="en-US" b="1" err="1">
+                <a:solidFill>
+                  <a:schemeClr val="bg1"/>
+                </a:solidFill>
+                <a:ea typeface="+mn-lt"/>
+                <a:cs typeface="+mn-lt"/>
+              </a:rPr>
+              <a:t>تمكنك</a:t>
+            </a:r>
+            <a:r>
+              <a:rPr lang="en-US" b="1" dirty="0">
+                <a:solidFill>
+                  <a:schemeClr val="bg1"/>
+                </a:solidFill>
+                <a:ea typeface="+mn-lt"/>
+                <a:cs typeface="+mn-lt"/>
+              </a:rPr>
+              <a:t> </a:t>
+            </a:r>
+            <a:r>
+              <a:rPr lang="en-US" b="1" err="1">
+                <a:solidFill>
+                  <a:schemeClr val="bg1"/>
+                </a:solidFill>
+                <a:ea typeface="+mn-lt"/>
+                <a:cs typeface="+mn-lt"/>
+              </a:rPr>
+              <a:t>من</a:t>
+            </a:r>
+            <a:r>
+              <a:rPr lang="en-US" b="1" dirty="0">
+                <a:solidFill>
+                  <a:schemeClr val="bg1"/>
+                </a:solidFill>
+                <a:ea typeface="+mn-lt"/>
+                <a:cs typeface="+mn-lt"/>
+              </a:rPr>
+              <a:t> </a:t>
+            </a:r>
+            <a:r>
+              <a:rPr lang="en-US" b="1" err="1">
+                <a:solidFill>
+                  <a:schemeClr val="bg1"/>
+                </a:solidFill>
+                <a:ea typeface="+mn-lt"/>
+                <a:cs typeface="+mn-lt"/>
+              </a:rPr>
+              <a:t>التحدث</a:t>
+            </a:r>
+            <a:r>
+              <a:rPr lang="en-US" b="1" dirty="0">
+                <a:solidFill>
+                  <a:schemeClr val="bg1"/>
+                </a:solidFill>
+                <a:ea typeface="+mn-lt"/>
+                <a:cs typeface="+mn-lt"/>
+              </a:rPr>
+              <a:t> </a:t>
+            </a:r>
+            <a:r>
+              <a:rPr lang="en-US" b="1" err="1">
+                <a:solidFill>
+                  <a:schemeClr val="bg1"/>
+                </a:solidFill>
+                <a:ea typeface="+mn-lt"/>
+                <a:cs typeface="+mn-lt"/>
+              </a:rPr>
+              <a:t>مع</a:t>
+            </a:r>
+            <a:r>
+              <a:rPr lang="en-US" b="1" dirty="0">
+                <a:solidFill>
+                  <a:schemeClr val="bg1"/>
+                </a:solidFill>
+                <a:ea typeface="+mn-lt"/>
+                <a:cs typeface="+mn-lt"/>
+              </a:rPr>
+              <a:t> </a:t>
+            </a:r>
+            <a:r>
+              <a:rPr lang="en-US" b="1" err="1">
+                <a:solidFill>
+                  <a:schemeClr val="bg1"/>
+                </a:solidFill>
+                <a:ea typeface="+mn-lt"/>
+                <a:cs typeface="+mn-lt"/>
+              </a:rPr>
+              <a:t>حاسوبك</a:t>
+            </a:r>
+            <a:endParaRPr lang="en-US" b="1" err="1">
+              <a:solidFill>
+                <a:schemeClr val="bg1"/>
+              </a:solidFill>
+            </a:endParaRPr>
+          </a:p>
+        </p:txBody>
+      </p:sp>
+      <p:sp>
+        <p:nvSpPr>
+          <p:cNvPr id="10" name="TextBox 9">
+            <a:extLst>
+              <a:ext uri="{FF2B5EF4-FFF2-40B4-BE49-F238E27FC236}">
+                <a16:creationId xmlns:a16="http://schemas.microsoft.com/office/drawing/2014/main" id="{1240AA1A-1D98-0BD6-D6AA-33F81A9851EE}"/>
+              </a:ext>
+            </a:extLst>
+          </p:cNvPr>
+          <p:cNvSpPr txBox="1"/>
+          <p:nvPr/>
+        </p:nvSpPr>
+        <p:spPr>
+          <a:xfrm>
+            <a:off x="135698" y="5981177"/>
+            <a:ext cx="1085589" cy="646331"/>
+          </a:xfrm>
+          <a:prstGeom prst="rect">
+            <a:avLst/>
+          </a:prstGeom>
+          <a:noFill/>
+        </p:spPr>
+        <p:txBody>
+          <a:bodyPr rot="0" spcFirstLastPara="0" vertOverflow="overflow" horzOverflow="overflow" vert="horz" wrap="square" lIns="91440" tIns="45720" rIns="91440" bIns="45720" numCol="1" spcCol="0" rtlCol="0" fromWordArt="0" anchor="t" anchorCtr="0" forceAA="0" compatLnSpc="1">
+            <a:prstTxWarp prst="textNoShape">
+              <a:avLst/>
+            </a:prstTxWarp>
+            <a:spAutoFit/>
+          </a:bodyPr>
+          <a:lstStyle/>
+          <a:p>
+            <a:pPr algn="l"/>
+            <a:r>
+              <a:rPr lang="en-US" sz="3600" b="1" dirty="0">
+                <a:solidFill>
+                  <a:schemeClr val="bg1"/>
+                </a:solidFill>
+              </a:rPr>
+              <a:t>5</a:t>
+            </a:r>
+            <a:endParaRPr lang="en-US" dirty="0"/>
+          </a:p>
+        </p:txBody>
+      </p:sp>
+    </p:spTree>
+    <p:extLst>
+      <p:ext uri="{BB962C8B-B14F-4D97-AF65-F5344CB8AC3E}">
+        <p14:creationId xmlns:p14="http://schemas.microsoft.com/office/powerpoint/2010/main" val="2460988464"/>
+      </p:ext>
+    </p:extLst>
+  </p:cSld>
+  <p:clrMapOvr>
+    <a:masterClrMapping/>
+  </p:clrMapOvr>
+  <p:transition spd="slow">
+    <p:push dir="u"/>
+  </p:transition>
+</p:sld>
+</file>
+
+<file path=ppt/slides/slide8.xml><?xml version="1.0" encoding="utf-8"?>
+<p:sld xmlns:a="http://schemas.openxmlformats.org/drawingml/2006/main" xmlns:r="http://schemas.openxmlformats.org/officeDocument/2006/relationships" xmlns:p="http://schemas.openxmlformats.org/presentationml/2006/main">
+  <p:cSld>
+    <p:spTree>
+      <p:nvGrpSpPr>
+        <p:cNvPr id="1" name=""/>
+        <p:cNvGrpSpPr/>
+        <p:nvPr/>
+      </p:nvGrpSpPr>
+      <p:grpSpPr>
+        <a:xfrm>
+          <a:off x="0" y="0"/>
+          <a:ext cx="0" cy="0"/>
+          <a:chOff x="0" y="0"/>
+          <a:chExt cx="0" cy="0"/>
+        </a:xfrm>
+      </p:grpSpPr>
+      <p:sp>
+        <p:nvSpPr>
+          <p:cNvPr id="2" name="Footer Placeholder 1">
+            <a:extLst>
+              <a:ext uri="{FF2B5EF4-FFF2-40B4-BE49-F238E27FC236}">
+                <a16:creationId xmlns:a16="http://schemas.microsoft.com/office/drawing/2014/main" id="{81AFC6E2-E803-65C4-F160-6C0EA9CEA40B}"/>
+              </a:ext>
+            </a:extLst>
+          </p:cNvPr>
+          <p:cNvSpPr>
+            <a:spLocks noGrp="1"/>
+          </p:cNvSpPr>
+          <p:nvPr>
+            <p:ph type="ftr" sz="quarter" idx="11"/>
+          </p:nvPr>
+        </p:nvSpPr>
+        <p:spPr/>
+        <p:txBody>
+          <a:bodyPr/>
+          <a:lstStyle/>
+          <a:p>
+            <a:r>
+              <a:rPr lang="en-US"/>
+              <a:t>1</a:t>
+            </a:r>
+          </a:p>
+        </p:txBody>
+      </p:sp>
+      <p:sp>
+        <p:nvSpPr>
+          <p:cNvPr id="3" name="Slide Number Placeholder 2">
+            <a:extLst>
+              <a:ext uri="{FF2B5EF4-FFF2-40B4-BE49-F238E27FC236}">
+                <a16:creationId xmlns:a16="http://schemas.microsoft.com/office/drawing/2014/main" id="{DEFC1019-F524-A767-23EE-E6C94A192EEC}"/>
+              </a:ext>
+            </a:extLst>
+          </p:cNvPr>
+          <p:cNvSpPr>
+            <a:spLocks noGrp="1"/>
+          </p:cNvSpPr>
+          <p:nvPr>
+            <p:ph type="sldNum" sz="quarter" idx="12"/>
+          </p:nvPr>
+        </p:nvSpPr>
+        <p:spPr/>
+        <p:txBody>
+          <a:bodyPr/>
+          <a:lstStyle/>
+          <a:p>
+            <a:fld id="{5EEB83C2-341F-4C28-A243-1C56DDDA54D3}" type="slidenum">
+              <a:rPr lang="en-US" smtClean="0"/>
+              <a:t>8</a:t>
             </a:fld>
             <a:endParaRPr lang="en-US"/>
           </a:p>
@@ -12289,6 +15415,105 @@
           </a:p>
         </p:txBody>
       </p:sp>
+      <p:sp>
+        <p:nvSpPr>
+          <p:cNvPr id="4" name="TextBox 3">
+            <a:extLst>
+              <a:ext uri="{FF2B5EF4-FFF2-40B4-BE49-F238E27FC236}">
+                <a16:creationId xmlns:a16="http://schemas.microsoft.com/office/drawing/2014/main" id="{BAC30A49-2D8E-01CB-5AEB-C2161D4D10C8}"/>
+              </a:ext>
+            </a:extLst>
+          </p:cNvPr>
+          <p:cNvSpPr txBox="1"/>
+          <p:nvPr/>
+        </p:nvSpPr>
+        <p:spPr>
+          <a:xfrm>
+            <a:off x="208767" y="6116876"/>
+            <a:ext cx="970767" cy="646331"/>
+          </a:xfrm>
+          <a:prstGeom prst="rect">
+            <a:avLst/>
+          </a:prstGeom>
+          <a:noFill/>
+        </p:spPr>
+        <p:txBody>
+          <a:bodyPr rot="0" spcFirstLastPara="0" vertOverflow="overflow" horzOverflow="overflow" vert="horz" wrap="square" lIns="91440" tIns="45720" rIns="91440" bIns="45720" numCol="1" spcCol="0" rtlCol="0" fromWordArt="0" anchor="t" anchorCtr="0" forceAA="0" compatLnSpc="1">
+            <a:prstTxWarp prst="textNoShape">
+              <a:avLst/>
+            </a:prstTxWarp>
+            <a:spAutoFit/>
+          </a:bodyPr>
+          <a:lstStyle/>
+          <a:p>
+            <a:pPr algn="l"/>
+            <a:r>
+              <a:rPr lang="en-US" sz="3600" b="1" dirty="0">
+                <a:solidFill>
+                  <a:schemeClr val="bg1"/>
+                </a:solidFill>
+              </a:rPr>
+              <a:t>6</a:t>
+            </a:r>
+            <a:endParaRPr lang="en-US" dirty="0"/>
+          </a:p>
+        </p:txBody>
+      </p:sp>
+      <p:sp>
+        <p:nvSpPr>
+          <p:cNvPr id="11" name="TextBox 10">
+            <a:extLst>
+              <a:ext uri="{FF2B5EF4-FFF2-40B4-BE49-F238E27FC236}">
+                <a16:creationId xmlns:a16="http://schemas.microsoft.com/office/drawing/2014/main" id="{4FE7B88C-EC91-882B-F910-F05CA3EC6013}"/>
+              </a:ext>
+            </a:extLst>
+          </p:cNvPr>
+          <p:cNvSpPr txBox="1"/>
+          <p:nvPr/>
+        </p:nvSpPr>
+        <p:spPr>
+          <a:xfrm>
+            <a:off x="772438" y="2087671"/>
+            <a:ext cx="2212931" cy="584775"/>
+          </a:xfrm>
+          <a:prstGeom prst="rect">
+            <a:avLst/>
+          </a:prstGeom>
+          <a:noFill/>
+        </p:spPr>
+        <p:txBody>
+          <a:bodyPr rot="0" spcFirstLastPara="0" vertOverflow="overflow" horzOverflow="overflow" vert="horz" wrap="square" lIns="91440" tIns="45720" rIns="91440" bIns="45720" numCol="1" spcCol="0" rtlCol="0" fromWordArt="0" anchor="t" anchorCtr="0" forceAA="0" compatLnSpc="1">
+            <a:prstTxWarp prst="textNoShape">
+              <a:avLst/>
+            </a:prstTxWarp>
+            <a:spAutoFit/>
+          </a:bodyPr>
+          <a:lstStyle/>
+          <a:p>
+            <a:pPr algn="l"/>
+            <a:r>
+              <a:rPr lang="en-US" sz="3200" b="1" dirty="0">
+                <a:solidFill>
+                  <a:schemeClr val="bg1"/>
+                </a:solidFill>
+                <a:hlinkClick r:id="rId5">
+                  <a:extLst>
+                    <a:ext uri="{A12FA001-AC4F-418D-AE19-62706E023703}">
+                      <ahyp:hlinkClr xmlns:ahyp="http://schemas.microsoft.com/office/drawing/2018/hyperlinkcolor" val="tx"/>
+                    </a:ext>
+                  </a:extLst>
+                </a:hlinkClick>
+              </a:rPr>
+              <a:t>Wikipedia</a:t>
+            </a:r>
+            <a:endParaRPr lang="en-US" b="1" dirty="0">
+              <a:solidFill>
+                <a:schemeClr val="bg1"/>
+              </a:solidFill>
+            </a:endParaRPr>
+          </a:p>
+        </p:txBody>
+      </p:sp>
     </p:spTree>
     <p:extLst>
       <p:ext uri="{BB962C8B-B14F-4D97-AF65-F5344CB8AC3E}">
@@ -12299,6 +15524,9 @@
   <p:clrMapOvr>
     <a:masterClrMapping/>
   </p:clrMapOvr>
+  <p:transition spd="slow">
+    <p:push dir="u"/>
+  </p:transition>
 </p:sld>
 </file>
 
